--- a/Assignments/Storyboard/jmackey/OLSIS_VERSION2.pptx
+++ b/Assignments/Storyboard/jmackey/OLSIS_VERSION2.pptx
@@ -5,17 +5,18 @@
     <p:sldMasterId id="2147483648" r:id="rId25"/>
   </p:sldMasterIdLst>
   <p:notesMasterIdLst>
-    <p:notesMasterId r:id="rId34"/>
+    <p:notesMasterId r:id="rId35"/>
   </p:notesMasterIdLst>
   <p:sldIdLst>
     <p:sldId id="257" r:id="rId26"/>
     <p:sldId id="258" r:id="rId27"/>
     <p:sldId id="259" r:id="rId28"/>
     <p:sldId id="263" r:id="rId29"/>
-    <p:sldId id="266" r:id="rId30"/>
-    <p:sldId id="264" r:id="rId31"/>
-    <p:sldId id="261" r:id="rId32"/>
-    <p:sldId id="265" r:id="rId33"/>
+    <p:sldId id="267" r:id="rId30"/>
+    <p:sldId id="266" r:id="rId31"/>
+    <p:sldId id="264" r:id="rId32"/>
+    <p:sldId id="261" r:id="rId33"/>
+    <p:sldId id="265" r:id="rId34"/>
   </p:sldIdLst>
   <p:sldSz cx="12192000" cy="6858000"/>
   <p:notesSz cx="6858000" cy="9144000"/>
@@ -2824,18 +2825,7 @@
                 <a:ea typeface="Segoe UI" pitchFamily="34" charset="0"/>
                 <a:cs typeface="Segoe UI" pitchFamily="34" charset="0"/>
               </a:rPr>
-              <a:t>Events </a:t>
-            </a:r>
-            <a:r>
-              <a:rPr lang="en-US" sz="1200" dirty="0" smtClean="0">
-                <a:solidFill>
-                  <a:srgbClr val="0070C0"/>
-                </a:solidFill>
-                <a:latin typeface="Segoe UI" pitchFamily="34" charset="0"/>
-                <a:ea typeface="Segoe UI" pitchFamily="34" charset="0"/>
-                <a:cs typeface="Segoe UI" pitchFamily="34" charset="0"/>
-              </a:rPr>
-              <a:t>Calendar </a:t>
+              <a:t>Events Calendar </a:t>
             </a:r>
             <a:r>
               <a:rPr lang="en-US" sz="1200" dirty="0" smtClean="0">
@@ -2865,18 +2855,7 @@
                 <a:ea typeface="Segoe UI" pitchFamily="34" charset="0"/>
                 <a:cs typeface="Segoe UI" pitchFamily="34" charset="0"/>
               </a:rPr>
-              <a:t> </a:t>
-            </a:r>
-            <a:r>
-              <a:rPr lang="en-US" sz="1200" baseline="0" dirty="0" smtClean="0">
-                <a:solidFill>
-                  <a:srgbClr val="0070C0"/>
-                </a:solidFill>
-                <a:latin typeface="Segoe UI" pitchFamily="34" charset="0"/>
-                <a:ea typeface="Segoe UI" pitchFamily="34" charset="0"/>
-                <a:cs typeface="Segoe UI" pitchFamily="34" charset="0"/>
-              </a:rPr>
-              <a:t>Directory C</a:t>
+              <a:t> Directory C</a:t>
             </a:r>
             <a:r>
               <a:rPr lang="en-US" sz="1200" dirty="0" smtClean="0">
@@ -2887,18 +2866,7 @@
                 <a:ea typeface="Segoe UI" pitchFamily="34" charset="0"/>
                 <a:cs typeface="Segoe UI" pitchFamily="34" charset="0"/>
               </a:rPr>
-              <a:t>ontact </a:t>
-            </a:r>
-            <a:r>
-              <a:rPr lang="en-US" sz="1200" dirty="0" smtClean="0">
-                <a:solidFill>
-                  <a:srgbClr val="0070C0"/>
-                </a:solidFill>
-                <a:latin typeface="Segoe UI" pitchFamily="34" charset="0"/>
-                <a:ea typeface="Segoe UI" pitchFamily="34" charset="0"/>
-                <a:cs typeface="Segoe UI" pitchFamily="34" charset="0"/>
-              </a:rPr>
-              <a:t>Info</a:t>
+              <a:t>ontact Info</a:t>
             </a:r>
             <a:r>
               <a:rPr lang="en-US" sz="1200" dirty="0" smtClean="0">
@@ -2922,14 +2890,6 @@
               </a:rPr>
               <a:t>Other Links </a:t>
             </a:r>
-            <a:endParaRPr lang="en-US" sz="1200" dirty="0" smtClean="0">
-              <a:solidFill>
-                <a:srgbClr val="0070C0"/>
-              </a:solidFill>
-              <a:latin typeface="Segoe UI" pitchFamily="34" charset="0"/>
-              <a:ea typeface="Segoe UI" pitchFamily="34" charset="0"/>
-              <a:cs typeface="Segoe UI" pitchFamily="34" charset="0"/>
-            </a:endParaRPr>
           </a:p>
         </p:txBody>
       </p:sp>
@@ -3256,18 +3216,7 @@
                 <a:ea typeface="Segoe UI" pitchFamily="34" charset="0"/>
                 <a:cs typeface="Segoe UI" pitchFamily="34" charset="0"/>
               </a:rPr>
-              <a:t>Transfer Course </a:t>
-            </a:r>
-            <a:r>
-              <a:rPr lang="en-US" sz="1200" baseline="0" dirty="0" smtClean="0">
-                <a:solidFill>
-                  <a:srgbClr val="0070C0"/>
-                </a:solidFill>
-                <a:latin typeface="Segoe UI" pitchFamily="34" charset="0"/>
-                <a:ea typeface="Segoe UI" pitchFamily="34" charset="0"/>
-                <a:cs typeface="Segoe UI" pitchFamily="34" charset="0"/>
-              </a:rPr>
-              <a:t>Equivalencies</a:t>
+              <a:t>Transfer Course Equivalencies</a:t>
             </a:r>
             <a:r>
               <a:rPr lang="en-US" sz="1200" baseline="0" dirty="0" smtClean="0">
@@ -5021,13 +4970,6 @@
               </a:rPr>
               <a:t>Forgot PIN?</a:t>
             </a:r>
-            <a:endParaRPr lang="en-US" sz="1200" dirty="0" smtClean="0">
-              <a:solidFill>
-                <a:srgbClr val="000000"/>
-              </a:solidFill>
-              <a:latin typeface="Segoe UI" pitchFamily="34" charset="0"/>
-              <a:cs typeface="Segoe UI" pitchFamily="34" charset="0"/>
-            </a:endParaRPr>
           </a:p>
         </p:txBody>
       </p:sp>
@@ -5168,6 +5110,50 @@
               <a:latin typeface="Segoe UI" pitchFamily="34" charset="0"/>
               <a:cs typeface="Segoe UI" pitchFamily="34" charset="0"/>
             </a:endParaRPr>
+          </a:p>
+        </p:txBody>
+      </p:sp>
+      <p:sp>
+        <p:nvSpPr>
+          <p:cNvPr id="4" name="Horizontal Scroll 3"/>
+          <p:cNvSpPr/>
+          <p:nvPr/>
+        </p:nvSpPr>
+        <p:spPr>
+          <a:xfrm>
+            <a:off x="2341786" y="3476530"/>
+            <a:ext cx="6889686" cy="2861474"/>
+          </a:xfrm>
+          <a:prstGeom prst="horizontalScroll">
+            <a:avLst/>
+          </a:prstGeom>
+        </p:spPr>
+        <p:style>
+          <a:lnRef idx="2">
+            <a:schemeClr val="accent4">
+              <a:shade val="50000"/>
+            </a:schemeClr>
+          </a:lnRef>
+          <a:fillRef idx="1">
+            <a:schemeClr val="accent4"/>
+          </a:fillRef>
+          <a:effectRef idx="0">
+            <a:schemeClr val="accent4"/>
+          </a:effectRef>
+          <a:fontRef idx="minor">
+            <a:schemeClr val="lt1"/>
+          </a:fontRef>
+        </p:style>
+        <p:txBody>
+          <a:bodyPr rtlCol="0" anchor="ctr"/>
+          <a:lstStyle/>
+          <a:p>
+            <a:pPr algn="ctr"/>
+            <a:r>
+              <a:rPr lang="en-US" dirty="0" smtClean="0"/>
+              <a:t>*insert seasonal text*</a:t>
+            </a:r>
+            <a:endParaRPr lang="en-US" dirty="0"/>
           </a:p>
         </p:txBody>
       </p:sp>
@@ -6334,553 +6320,6 @@
           </a:p>
         </p:txBody>
       </p:sp>
-      <p:graphicFrame>
-        <p:nvGraphicFramePr>
-          <p:cNvPr id="6" name="Table 5"/>
-          <p:cNvGraphicFramePr>
-            <a:graphicFrameLocks noGrp="1"/>
-          </p:cNvGraphicFramePr>
-          <p:nvPr>
-            <p:extLst>
-              <p:ext uri="{D42A27DB-BD31-4B8C-83A1-F6EECF244321}">
-                <p14:modId xmlns:p14="http://schemas.microsoft.com/office/powerpoint/2010/main" val="3819168793"/>
-              </p:ext>
-            </p:extLst>
-          </p:nvPr>
-        </p:nvGraphicFramePr>
-        <p:xfrm>
-          <a:off x="349248" y="4061581"/>
-          <a:ext cx="11455404" cy="1112520"/>
-        </p:xfrm>
-        <a:graphic>
-          <a:graphicData uri="http://schemas.openxmlformats.org/drawingml/2006/table">
-            <a:tbl>
-              <a:tblPr firstRow="1" bandRow="1">
-                <a:tableStyleId>{00A15C55-8517-42AA-B614-E9B94910E393}</a:tableStyleId>
-              </a:tblPr>
-              <a:tblGrid>
-                <a:gridCol w="954617">
-                  <a:extLst>
-                    <a:ext uri="{9D8B030D-6E8A-4147-A177-3AD203B41FA5}">
-                      <a16:colId xmlns:a16="http://schemas.microsoft.com/office/drawing/2014/main" val="2016988647"/>
-                    </a:ext>
-                  </a:extLst>
-                </a:gridCol>
-                <a:gridCol w="954617">
-                  <a:extLst>
-                    <a:ext uri="{9D8B030D-6E8A-4147-A177-3AD203B41FA5}">
-                      <a16:colId xmlns:a16="http://schemas.microsoft.com/office/drawing/2014/main" val="850071339"/>
-                    </a:ext>
-                  </a:extLst>
-                </a:gridCol>
-                <a:gridCol w="954617">
-                  <a:extLst>
-                    <a:ext uri="{9D8B030D-6E8A-4147-A177-3AD203B41FA5}">
-                      <a16:colId xmlns:a16="http://schemas.microsoft.com/office/drawing/2014/main" val="1571480169"/>
-                    </a:ext>
-                  </a:extLst>
-                </a:gridCol>
-                <a:gridCol w="954617">
-                  <a:extLst>
-                    <a:ext uri="{9D8B030D-6E8A-4147-A177-3AD203B41FA5}">
-                      <a16:colId xmlns:a16="http://schemas.microsoft.com/office/drawing/2014/main" val="1344334593"/>
-                    </a:ext>
-                  </a:extLst>
-                </a:gridCol>
-                <a:gridCol w="954617">
-                  <a:extLst>
-                    <a:ext uri="{9D8B030D-6E8A-4147-A177-3AD203B41FA5}">
-                      <a16:colId xmlns:a16="http://schemas.microsoft.com/office/drawing/2014/main" val="2540442183"/>
-                    </a:ext>
-                  </a:extLst>
-                </a:gridCol>
-                <a:gridCol w="954617">
-                  <a:extLst>
-                    <a:ext uri="{9D8B030D-6E8A-4147-A177-3AD203B41FA5}">
-                      <a16:colId xmlns:a16="http://schemas.microsoft.com/office/drawing/2014/main" val="2859057268"/>
-                    </a:ext>
-                  </a:extLst>
-                </a:gridCol>
-                <a:gridCol w="954617">
-                  <a:extLst>
-                    <a:ext uri="{9D8B030D-6E8A-4147-A177-3AD203B41FA5}">
-                      <a16:colId xmlns:a16="http://schemas.microsoft.com/office/drawing/2014/main" val="1935409176"/>
-                    </a:ext>
-                  </a:extLst>
-                </a:gridCol>
-                <a:gridCol w="954617">
-                  <a:extLst>
-                    <a:ext uri="{9D8B030D-6E8A-4147-A177-3AD203B41FA5}">
-                      <a16:colId xmlns:a16="http://schemas.microsoft.com/office/drawing/2014/main" val="741453522"/>
-                    </a:ext>
-                  </a:extLst>
-                </a:gridCol>
-                <a:gridCol w="954617">
-                  <a:extLst>
-                    <a:ext uri="{9D8B030D-6E8A-4147-A177-3AD203B41FA5}">
-                      <a16:colId xmlns:a16="http://schemas.microsoft.com/office/drawing/2014/main" val="270890573"/>
-                    </a:ext>
-                  </a:extLst>
-                </a:gridCol>
-                <a:gridCol w="954617">
-                  <a:extLst>
-                    <a:ext uri="{9D8B030D-6E8A-4147-A177-3AD203B41FA5}">
-                      <a16:colId xmlns:a16="http://schemas.microsoft.com/office/drawing/2014/main" val="3728116912"/>
-                    </a:ext>
-                  </a:extLst>
-                </a:gridCol>
-                <a:gridCol w="954617">
-                  <a:extLst>
-                    <a:ext uri="{9D8B030D-6E8A-4147-A177-3AD203B41FA5}">
-                      <a16:colId xmlns:a16="http://schemas.microsoft.com/office/drawing/2014/main" val="1657024159"/>
-                    </a:ext>
-                  </a:extLst>
-                </a:gridCol>
-                <a:gridCol w="954617">
-                  <a:extLst>
-                    <a:ext uri="{9D8B030D-6E8A-4147-A177-3AD203B41FA5}">
-                      <a16:colId xmlns:a16="http://schemas.microsoft.com/office/drawing/2014/main" val="2894075606"/>
-                    </a:ext>
-                  </a:extLst>
-                </a:gridCol>
-              </a:tblGrid>
-              <a:tr h="370840">
-                <a:tc>
-                  <a:txBody>
-                    <a:bodyPr/>
-                    <a:lstStyle/>
-                    <a:p>
-                      <a:r>
-                        <a:rPr lang="en-US" sz="1400" dirty="0" smtClean="0"/>
-                        <a:t>CRN</a:t>
-                      </a:r>
-                      <a:endParaRPr lang="en-US" sz="1400" dirty="0"/>
-                    </a:p>
-                  </a:txBody>
-                  <a:tcPr/>
-                </a:tc>
-                <a:tc>
-                  <a:txBody>
-                    <a:bodyPr/>
-                    <a:lstStyle/>
-                    <a:p>
-                      <a:r>
-                        <a:rPr lang="en-US" sz="1400" dirty="0" smtClean="0"/>
-                        <a:t>Course</a:t>
-                      </a:r>
-                      <a:endParaRPr lang="en-US" sz="1400" dirty="0"/>
-                    </a:p>
-                  </a:txBody>
-                  <a:tcPr/>
-                </a:tc>
-                <a:tc>
-                  <a:txBody>
-                    <a:bodyPr/>
-                    <a:lstStyle/>
-                    <a:p>
-                      <a:r>
-                        <a:rPr lang="en-US" sz="1400" dirty="0" smtClean="0"/>
-                        <a:t>Title</a:t>
-                      </a:r>
-                      <a:endParaRPr lang="en-US" sz="1400" dirty="0"/>
-                    </a:p>
-                  </a:txBody>
-                  <a:tcPr/>
-                </a:tc>
-                <a:tc>
-                  <a:txBody>
-                    <a:bodyPr/>
-                    <a:lstStyle/>
-                    <a:p>
-                      <a:r>
-                        <a:rPr lang="en-US" sz="1400" dirty="0" smtClean="0"/>
-                        <a:t>Campus</a:t>
-                      </a:r>
-                      <a:endParaRPr lang="en-US" sz="1400" dirty="0"/>
-                    </a:p>
-                  </a:txBody>
-                  <a:tcPr/>
-                </a:tc>
-                <a:tc>
-                  <a:txBody>
-                    <a:bodyPr/>
-                    <a:lstStyle/>
-                    <a:p>
-                      <a:r>
-                        <a:rPr lang="en-US" sz="1400" dirty="0" smtClean="0"/>
-                        <a:t>Credits</a:t>
-                      </a:r>
-                      <a:endParaRPr lang="en-US" sz="1400" dirty="0"/>
-                    </a:p>
-                  </a:txBody>
-                  <a:tcPr/>
-                </a:tc>
-                <a:tc>
-                  <a:txBody>
-                    <a:bodyPr/>
-                    <a:lstStyle/>
-                    <a:p>
-                      <a:r>
-                        <a:rPr lang="en-US" sz="1400" dirty="0" smtClean="0"/>
-                        <a:t>Level</a:t>
-                      </a:r>
-                      <a:endParaRPr lang="en-US" sz="1400" dirty="0"/>
-                    </a:p>
-                  </a:txBody>
-                  <a:tcPr/>
-                </a:tc>
-                <a:tc>
-                  <a:txBody>
-                    <a:bodyPr/>
-                    <a:lstStyle/>
-                    <a:p>
-                      <a:r>
-                        <a:rPr lang="en-US" sz="1400" dirty="0" smtClean="0"/>
-                        <a:t>Start Date</a:t>
-                      </a:r>
-                      <a:endParaRPr lang="en-US" sz="1400" dirty="0"/>
-                    </a:p>
-                  </a:txBody>
-                  <a:tcPr/>
-                </a:tc>
-                <a:tc>
-                  <a:txBody>
-                    <a:bodyPr/>
-                    <a:lstStyle/>
-                    <a:p>
-                      <a:r>
-                        <a:rPr lang="en-US" sz="1400" dirty="0" smtClean="0"/>
-                        <a:t>End</a:t>
-                      </a:r>
-                      <a:r>
-                        <a:rPr lang="en-US" sz="1400" baseline="0" dirty="0" smtClean="0"/>
-                        <a:t> Date</a:t>
-                      </a:r>
-                      <a:endParaRPr lang="en-US" sz="1400" dirty="0"/>
-                    </a:p>
-                  </a:txBody>
-                  <a:tcPr/>
-                </a:tc>
-                <a:tc>
-                  <a:txBody>
-                    <a:bodyPr/>
-                    <a:lstStyle/>
-                    <a:p>
-                      <a:r>
-                        <a:rPr lang="en-US" sz="1400" dirty="0" smtClean="0"/>
-                        <a:t>Days</a:t>
-                      </a:r>
-                      <a:endParaRPr lang="en-US" sz="1400" dirty="0"/>
-                    </a:p>
-                  </a:txBody>
-                  <a:tcPr/>
-                </a:tc>
-                <a:tc>
-                  <a:txBody>
-                    <a:bodyPr/>
-                    <a:lstStyle/>
-                    <a:p>
-                      <a:r>
-                        <a:rPr lang="en-US" sz="1400" dirty="0" smtClean="0"/>
-                        <a:t>Time</a:t>
-                      </a:r>
-                      <a:endParaRPr lang="en-US" sz="1400" dirty="0"/>
-                    </a:p>
-                  </a:txBody>
-                  <a:tcPr/>
-                </a:tc>
-                <a:tc>
-                  <a:txBody>
-                    <a:bodyPr/>
-                    <a:lstStyle/>
-                    <a:p>
-                      <a:r>
-                        <a:rPr lang="en-US" sz="1400" dirty="0" smtClean="0"/>
-                        <a:t>Location</a:t>
-                      </a:r>
-                      <a:endParaRPr lang="en-US" sz="1400" dirty="0"/>
-                    </a:p>
-                  </a:txBody>
-                  <a:tcPr/>
-                </a:tc>
-                <a:tc>
-                  <a:txBody>
-                    <a:bodyPr/>
-                    <a:lstStyle/>
-                    <a:p>
-                      <a:r>
-                        <a:rPr lang="en-US" sz="1400" dirty="0" smtClean="0"/>
-                        <a:t>Instructor</a:t>
-                      </a:r>
-                      <a:endParaRPr lang="en-US" sz="1400" dirty="0"/>
-                    </a:p>
-                  </a:txBody>
-                  <a:tcPr/>
-                </a:tc>
-                <a:extLst>
-                  <a:ext uri="{0D108BD9-81ED-4DB2-BD59-A6C34878D82A}">
-                    <a16:rowId xmlns:a16="http://schemas.microsoft.com/office/drawing/2014/main" val="3619889798"/>
-                  </a:ext>
-                </a:extLst>
-              </a:tr>
-              <a:tr h="370840">
-                <a:tc>
-                  <a:txBody>
-                    <a:bodyPr/>
-                    <a:lstStyle/>
-                    <a:p>
-                      <a:endParaRPr lang="en-US" sz="1400"/>
-                    </a:p>
-                  </a:txBody>
-                  <a:tcPr/>
-                </a:tc>
-                <a:tc>
-                  <a:txBody>
-                    <a:bodyPr/>
-                    <a:lstStyle/>
-                    <a:p>
-                      <a:endParaRPr lang="en-US" sz="1400"/>
-                    </a:p>
-                  </a:txBody>
-                  <a:tcPr/>
-                </a:tc>
-                <a:tc>
-                  <a:txBody>
-                    <a:bodyPr/>
-                    <a:lstStyle/>
-                    <a:p>
-                      <a:endParaRPr lang="en-US" sz="1400"/>
-                    </a:p>
-                  </a:txBody>
-                  <a:tcPr/>
-                </a:tc>
-                <a:tc>
-                  <a:txBody>
-                    <a:bodyPr/>
-                    <a:lstStyle/>
-                    <a:p>
-                      <a:endParaRPr lang="en-US" sz="1400"/>
-                    </a:p>
-                  </a:txBody>
-                  <a:tcPr/>
-                </a:tc>
-                <a:tc>
-                  <a:txBody>
-                    <a:bodyPr/>
-                    <a:lstStyle/>
-                    <a:p>
-                      <a:endParaRPr lang="en-US" sz="1400"/>
-                    </a:p>
-                  </a:txBody>
-                  <a:tcPr/>
-                </a:tc>
-                <a:tc>
-                  <a:txBody>
-                    <a:bodyPr/>
-                    <a:lstStyle/>
-                    <a:p>
-                      <a:endParaRPr lang="en-US" sz="1400"/>
-                    </a:p>
-                  </a:txBody>
-                  <a:tcPr/>
-                </a:tc>
-                <a:tc>
-                  <a:txBody>
-                    <a:bodyPr/>
-                    <a:lstStyle/>
-                    <a:p>
-                      <a:endParaRPr lang="en-US" sz="1400"/>
-                    </a:p>
-                  </a:txBody>
-                  <a:tcPr/>
-                </a:tc>
-                <a:tc>
-                  <a:txBody>
-                    <a:bodyPr/>
-                    <a:lstStyle/>
-                    <a:p>
-                      <a:endParaRPr lang="en-US" sz="1400"/>
-                    </a:p>
-                  </a:txBody>
-                  <a:tcPr/>
-                </a:tc>
-                <a:tc>
-                  <a:txBody>
-                    <a:bodyPr/>
-                    <a:lstStyle/>
-                    <a:p>
-                      <a:endParaRPr lang="en-US" sz="1400"/>
-                    </a:p>
-                  </a:txBody>
-                  <a:tcPr/>
-                </a:tc>
-                <a:tc>
-                  <a:txBody>
-                    <a:bodyPr/>
-                    <a:lstStyle/>
-                    <a:p>
-                      <a:endParaRPr lang="en-US" sz="1400"/>
-                    </a:p>
-                  </a:txBody>
-                  <a:tcPr/>
-                </a:tc>
-                <a:tc>
-                  <a:txBody>
-                    <a:bodyPr/>
-                    <a:lstStyle/>
-                    <a:p>
-                      <a:endParaRPr lang="en-US" sz="1400"/>
-                    </a:p>
-                  </a:txBody>
-                  <a:tcPr/>
-                </a:tc>
-                <a:tc>
-                  <a:txBody>
-                    <a:bodyPr/>
-                    <a:lstStyle/>
-                    <a:p>
-                      <a:endParaRPr lang="en-US" sz="1400" dirty="0"/>
-                    </a:p>
-                  </a:txBody>
-                  <a:tcPr/>
-                </a:tc>
-                <a:extLst>
-                  <a:ext uri="{0D108BD9-81ED-4DB2-BD59-A6C34878D82A}">
-                    <a16:rowId xmlns:a16="http://schemas.microsoft.com/office/drawing/2014/main" val="1380890224"/>
-                  </a:ext>
-                </a:extLst>
-              </a:tr>
-              <a:tr h="370840">
-                <a:tc>
-                  <a:txBody>
-                    <a:bodyPr/>
-                    <a:lstStyle/>
-                    <a:p>
-                      <a:endParaRPr lang="en-US" sz="1400"/>
-                    </a:p>
-                  </a:txBody>
-                  <a:tcPr/>
-                </a:tc>
-                <a:tc>
-                  <a:txBody>
-                    <a:bodyPr/>
-                    <a:lstStyle/>
-                    <a:p>
-                      <a:endParaRPr lang="en-US" sz="1400"/>
-                    </a:p>
-                  </a:txBody>
-                  <a:tcPr/>
-                </a:tc>
-                <a:tc>
-                  <a:txBody>
-                    <a:bodyPr/>
-                    <a:lstStyle/>
-                    <a:p>
-                      <a:endParaRPr lang="en-US" sz="1400"/>
-                    </a:p>
-                  </a:txBody>
-                  <a:tcPr/>
-                </a:tc>
-                <a:tc>
-                  <a:txBody>
-                    <a:bodyPr/>
-                    <a:lstStyle/>
-                    <a:p>
-                      <a:endParaRPr lang="en-US" sz="1400"/>
-                    </a:p>
-                  </a:txBody>
-                  <a:tcPr/>
-                </a:tc>
-                <a:tc>
-                  <a:txBody>
-                    <a:bodyPr/>
-                    <a:lstStyle/>
-                    <a:p>
-                      <a:endParaRPr lang="en-US" sz="1400"/>
-                    </a:p>
-                  </a:txBody>
-                  <a:tcPr/>
-                </a:tc>
-                <a:tc>
-                  <a:txBody>
-                    <a:bodyPr/>
-                    <a:lstStyle/>
-                    <a:p>
-                      <a:endParaRPr lang="en-US" sz="1400"/>
-                    </a:p>
-                  </a:txBody>
-                  <a:tcPr/>
-                </a:tc>
-                <a:tc>
-                  <a:txBody>
-                    <a:bodyPr/>
-                    <a:lstStyle/>
-                    <a:p>
-                      <a:endParaRPr lang="en-US" sz="1400" dirty="0"/>
-                    </a:p>
-                  </a:txBody>
-                  <a:tcPr/>
-                </a:tc>
-                <a:tc>
-                  <a:txBody>
-                    <a:bodyPr/>
-                    <a:lstStyle/>
-                    <a:p>
-                      <a:endParaRPr lang="en-US" sz="1400" dirty="0"/>
-                    </a:p>
-                  </a:txBody>
-                  <a:tcPr/>
-                </a:tc>
-                <a:tc>
-                  <a:txBody>
-                    <a:bodyPr/>
-                    <a:lstStyle/>
-                    <a:p>
-                      <a:endParaRPr lang="en-US" sz="1400" dirty="0"/>
-                    </a:p>
-                  </a:txBody>
-                  <a:tcPr/>
-                </a:tc>
-                <a:tc>
-                  <a:txBody>
-                    <a:bodyPr/>
-                    <a:lstStyle/>
-                    <a:p>
-                      <a:endParaRPr lang="en-US" sz="1400" dirty="0"/>
-                    </a:p>
-                  </a:txBody>
-                  <a:tcPr/>
-                </a:tc>
-                <a:tc>
-                  <a:txBody>
-                    <a:bodyPr/>
-                    <a:lstStyle/>
-                    <a:p>
-                      <a:endParaRPr lang="en-US" sz="1400" dirty="0"/>
-                    </a:p>
-                  </a:txBody>
-                  <a:tcPr/>
-                </a:tc>
-                <a:tc>
-                  <a:txBody>
-                    <a:bodyPr/>
-                    <a:lstStyle/>
-                    <a:p>
-                      <a:endParaRPr lang="en-US" sz="1400" dirty="0"/>
-                    </a:p>
-                  </a:txBody>
-                  <a:tcPr/>
-                </a:tc>
-                <a:extLst>
-                  <a:ext uri="{0D108BD9-81ED-4DB2-BD59-A6C34878D82A}">
-                    <a16:rowId xmlns:a16="http://schemas.microsoft.com/office/drawing/2014/main" val="2092610606"/>
-                  </a:ext>
-                </a:extLst>
-              </a:tr>
-            </a:tbl>
-          </a:graphicData>
-        </a:graphic>
-      </p:graphicFrame>
     </p:spTree>
     <p:extLst>
       <p:ext uri="{BB962C8B-B14F-4D97-AF65-F5344CB8AC3E}">
@@ -6902,6 +6341,3709 @@
 </file>
 
 <file path=ppt/slides/slide5.xml><?xml version="1.0" encoding="utf-8"?>
+<p:sld xmlns:a="http://schemas.openxmlformats.org/drawingml/2006/main" xmlns:r="http://schemas.openxmlformats.org/officeDocument/2006/relationships" xmlns:p="http://schemas.openxmlformats.org/presentationml/2006/main">
+  <p:cSld>
+    <p:spTree>
+      <p:nvGrpSpPr>
+        <p:cNvPr id="1" name=""/>
+        <p:cNvGrpSpPr/>
+        <p:nvPr/>
+      </p:nvGrpSpPr>
+      <p:grpSpPr>
+        <a:xfrm>
+          <a:off x="0" y="0"/>
+          <a:ext cx="0" cy="0"/>
+          <a:chOff x="0" y="0"/>
+          <a:chExt cx="0" cy="0"/>
+        </a:xfrm>
+      </p:grpSpPr>
+      <p:graphicFrame>
+        <p:nvGraphicFramePr>
+          <p:cNvPr id="6" name="Table 5"/>
+          <p:cNvGraphicFramePr>
+            <a:graphicFrameLocks noGrp="1"/>
+          </p:cNvGraphicFramePr>
+          <p:nvPr>
+            <p:extLst>
+              <p:ext uri="{D42A27DB-BD31-4B8C-83A1-F6EECF244321}">
+                <p14:modId xmlns:p14="http://schemas.microsoft.com/office/powerpoint/2010/main" val="4095804241"/>
+              </p:ext>
+            </p:extLst>
+          </p:nvPr>
+        </p:nvGraphicFramePr>
+        <p:xfrm>
+          <a:off x="2553084" y="1522209"/>
+          <a:ext cx="9112961" cy="5086824"/>
+        </p:xfrm>
+        <a:graphic>
+          <a:graphicData uri="http://schemas.openxmlformats.org/drawingml/2006/table">
+            <a:tbl>
+              <a:tblPr firstRow="1" bandRow="1">
+                <a:tableStyleId>{00A15C55-8517-42AA-B614-E9B94910E393}</a:tableStyleId>
+              </a:tblPr>
+              <a:tblGrid>
+                <a:gridCol w="700997">
+                  <a:extLst>
+                    <a:ext uri="{9D8B030D-6E8A-4147-A177-3AD203B41FA5}">
+                      <a16:colId xmlns:a16="http://schemas.microsoft.com/office/drawing/2014/main" val="2016988647"/>
+                    </a:ext>
+                  </a:extLst>
+                </a:gridCol>
+                <a:gridCol w="700997">
+                  <a:extLst>
+                    <a:ext uri="{9D8B030D-6E8A-4147-A177-3AD203B41FA5}">
+                      <a16:colId xmlns:a16="http://schemas.microsoft.com/office/drawing/2014/main" val="1201264893"/>
+                    </a:ext>
+                  </a:extLst>
+                </a:gridCol>
+                <a:gridCol w="700997">
+                  <a:extLst>
+                    <a:ext uri="{9D8B030D-6E8A-4147-A177-3AD203B41FA5}">
+                      <a16:colId xmlns:a16="http://schemas.microsoft.com/office/drawing/2014/main" val="850071339"/>
+                    </a:ext>
+                  </a:extLst>
+                </a:gridCol>
+                <a:gridCol w="700997">
+                  <a:extLst>
+                    <a:ext uri="{9D8B030D-6E8A-4147-A177-3AD203B41FA5}">
+                      <a16:colId xmlns:a16="http://schemas.microsoft.com/office/drawing/2014/main" val="1571480169"/>
+                    </a:ext>
+                  </a:extLst>
+                </a:gridCol>
+                <a:gridCol w="700997">
+                  <a:extLst>
+                    <a:ext uri="{9D8B030D-6E8A-4147-A177-3AD203B41FA5}">
+                      <a16:colId xmlns:a16="http://schemas.microsoft.com/office/drawing/2014/main" val="1344334593"/>
+                    </a:ext>
+                  </a:extLst>
+                </a:gridCol>
+                <a:gridCol w="700997">
+                  <a:extLst>
+                    <a:ext uri="{9D8B030D-6E8A-4147-A177-3AD203B41FA5}">
+                      <a16:colId xmlns:a16="http://schemas.microsoft.com/office/drawing/2014/main" val="2540442183"/>
+                    </a:ext>
+                  </a:extLst>
+                </a:gridCol>
+                <a:gridCol w="700997">
+                  <a:extLst>
+                    <a:ext uri="{9D8B030D-6E8A-4147-A177-3AD203B41FA5}">
+                      <a16:colId xmlns:a16="http://schemas.microsoft.com/office/drawing/2014/main" val="2859057268"/>
+                    </a:ext>
+                  </a:extLst>
+                </a:gridCol>
+                <a:gridCol w="700997">
+                  <a:extLst>
+                    <a:ext uri="{9D8B030D-6E8A-4147-A177-3AD203B41FA5}">
+                      <a16:colId xmlns:a16="http://schemas.microsoft.com/office/drawing/2014/main" val="1935409176"/>
+                    </a:ext>
+                  </a:extLst>
+                </a:gridCol>
+                <a:gridCol w="700997">
+                  <a:extLst>
+                    <a:ext uri="{9D8B030D-6E8A-4147-A177-3AD203B41FA5}">
+                      <a16:colId xmlns:a16="http://schemas.microsoft.com/office/drawing/2014/main" val="741453522"/>
+                    </a:ext>
+                  </a:extLst>
+                </a:gridCol>
+                <a:gridCol w="700997">
+                  <a:extLst>
+                    <a:ext uri="{9D8B030D-6E8A-4147-A177-3AD203B41FA5}">
+                      <a16:colId xmlns:a16="http://schemas.microsoft.com/office/drawing/2014/main" val="270890573"/>
+                    </a:ext>
+                  </a:extLst>
+                </a:gridCol>
+                <a:gridCol w="700997">
+                  <a:extLst>
+                    <a:ext uri="{9D8B030D-6E8A-4147-A177-3AD203B41FA5}">
+                      <a16:colId xmlns:a16="http://schemas.microsoft.com/office/drawing/2014/main" val="3728116912"/>
+                    </a:ext>
+                  </a:extLst>
+                </a:gridCol>
+                <a:gridCol w="700997">
+                  <a:extLst>
+                    <a:ext uri="{9D8B030D-6E8A-4147-A177-3AD203B41FA5}">
+                      <a16:colId xmlns:a16="http://schemas.microsoft.com/office/drawing/2014/main" val="1657024159"/>
+                    </a:ext>
+                  </a:extLst>
+                </a:gridCol>
+                <a:gridCol w="700997">
+                  <a:extLst>
+                    <a:ext uri="{9D8B030D-6E8A-4147-A177-3AD203B41FA5}">
+                      <a16:colId xmlns:a16="http://schemas.microsoft.com/office/drawing/2014/main" val="2894075606"/>
+                    </a:ext>
+                  </a:extLst>
+                </a:gridCol>
+              </a:tblGrid>
+              <a:tr h="461616">
+                <a:tc gridSpan="13">
+                  <a:txBody>
+                    <a:bodyPr/>
+                    <a:lstStyle/>
+                    <a:p>
+                      <a:r>
+                        <a:rPr lang="en-US" sz="1700" dirty="0" smtClean="0"/>
+                        <a:t>Unofficial</a:t>
+                      </a:r>
+                      <a:r>
+                        <a:rPr lang="en-US" sz="1700" baseline="0" dirty="0" smtClean="0"/>
+                        <a:t> Transcript</a:t>
+                      </a:r>
+                      <a:endParaRPr lang="en-US" sz="1700" dirty="0"/>
+                    </a:p>
+                  </a:txBody>
+                  <a:tcPr marL="81462" marR="81462" marT="40731" marB="40731"/>
+                </a:tc>
+                <a:tc hMerge="1">
+                  <a:txBody>
+                    <a:bodyPr/>
+                    <a:lstStyle/>
+                    <a:p>
+                      <a:endParaRPr lang="en-US" sz="1100" dirty="0"/>
+                    </a:p>
+                  </a:txBody>
+                  <a:tcPr marL="75392" marR="75392" marT="37696" marB="37696"/>
+                </a:tc>
+                <a:tc hMerge="1">
+                  <a:txBody>
+                    <a:bodyPr/>
+                    <a:lstStyle/>
+                    <a:p>
+                      <a:endParaRPr lang="en-US" sz="1100" dirty="0"/>
+                    </a:p>
+                  </a:txBody>
+                  <a:tcPr marL="75392" marR="75392" marT="37696" marB="37696"/>
+                </a:tc>
+                <a:tc hMerge="1">
+                  <a:txBody>
+                    <a:bodyPr/>
+                    <a:lstStyle/>
+                    <a:p>
+                      <a:endParaRPr lang="en-US" sz="1100" dirty="0"/>
+                    </a:p>
+                  </a:txBody>
+                  <a:tcPr marL="75392" marR="75392" marT="37696" marB="37696"/>
+                </a:tc>
+                <a:tc hMerge="1">
+                  <a:txBody>
+                    <a:bodyPr/>
+                    <a:lstStyle/>
+                    <a:p>
+                      <a:endParaRPr lang="en-US" sz="1100" dirty="0"/>
+                    </a:p>
+                  </a:txBody>
+                  <a:tcPr marL="75392" marR="75392" marT="37696" marB="37696"/>
+                </a:tc>
+                <a:tc hMerge="1">
+                  <a:txBody>
+                    <a:bodyPr/>
+                    <a:lstStyle/>
+                    <a:p>
+                      <a:endParaRPr lang="en-US" sz="1100" dirty="0"/>
+                    </a:p>
+                  </a:txBody>
+                  <a:tcPr marL="75392" marR="75392" marT="37696" marB="37696"/>
+                </a:tc>
+                <a:tc hMerge="1">
+                  <a:txBody>
+                    <a:bodyPr/>
+                    <a:lstStyle/>
+                    <a:p>
+                      <a:endParaRPr lang="en-US" sz="1100" dirty="0"/>
+                    </a:p>
+                  </a:txBody>
+                  <a:tcPr marL="75392" marR="75392" marT="37696" marB="37696"/>
+                </a:tc>
+                <a:tc hMerge="1">
+                  <a:txBody>
+                    <a:bodyPr/>
+                    <a:lstStyle/>
+                    <a:p>
+                      <a:endParaRPr lang="en-US" sz="1100" dirty="0"/>
+                    </a:p>
+                  </a:txBody>
+                  <a:tcPr marL="75392" marR="75392" marT="37696" marB="37696"/>
+                </a:tc>
+                <a:tc hMerge="1">
+                  <a:txBody>
+                    <a:bodyPr/>
+                    <a:lstStyle/>
+                    <a:p>
+                      <a:endParaRPr lang="en-US" sz="1100" dirty="0"/>
+                    </a:p>
+                  </a:txBody>
+                  <a:tcPr marL="75392" marR="75392" marT="37696" marB="37696"/>
+                </a:tc>
+                <a:tc hMerge="1">
+                  <a:txBody>
+                    <a:bodyPr/>
+                    <a:lstStyle/>
+                    <a:p>
+                      <a:endParaRPr lang="en-US" sz="1100" dirty="0"/>
+                    </a:p>
+                  </a:txBody>
+                  <a:tcPr marL="75392" marR="75392" marT="37696" marB="37696"/>
+                </a:tc>
+                <a:tc hMerge="1">
+                  <a:txBody>
+                    <a:bodyPr/>
+                    <a:lstStyle/>
+                    <a:p>
+                      <a:endParaRPr lang="en-US" sz="1100" dirty="0"/>
+                    </a:p>
+                  </a:txBody>
+                  <a:tcPr marL="75392" marR="75392" marT="37696" marB="37696"/>
+                </a:tc>
+                <a:tc hMerge="1">
+                  <a:txBody>
+                    <a:bodyPr/>
+                    <a:lstStyle/>
+                    <a:p>
+                      <a:endParaRPr lang="en-US" sz="1100" dirty="0"/>
+                    </a:p>
+                  </a:txBody>
+                  <a:tcPr marL="75392" marR="75392" marT="37696" marB="37696"/>
+                </a:tc>
+                <a:tc hMerge="1">
+                  <a:txBody>
+                    <a:bodyPr/>
+                    <a:lstStyle/>
+                    <a:p>
+                      <a:endParaRPr lang="en-US" sz="1100" dirty="0"/>
+                    </a:p>
+                  </a:txBody>
+                  <a:tcPr marL="75392" marR="75392" marT="37696" marB="37696"/>
+                </a:tc>
+                <a:extLst>
+                  <a:ext uri="{0D108BD9-81ED-4DB2-BD59-A6C34878D82A}">
+                    <a16:rowId xmlns:a16="http://schemas.microsoft.com/office/drawing/2014/main" val="3619889798"/>
+                  </a:ext>
+                </a:extLst>
+              </a:tr>
+              <a:tr h="330372">
+                <a:tc>
+                  <a:txBody>
+                    <a:bodyPr/>
+                    <a:lstStyle/>
+                    <a:p>
+                      <a:pPr algn="l" fontAlgn="t"/>
+                      <a:r>
+                        <a:rPr lang="en-US" sz="500" b="0" i="0" dirty="0">
+                          <a:solidFill>
+                            <a:srgbClr val="000000"/>
+                          </a:solidFill>
+                          <a:effectLst/>
+                          <a:latin typeface="Verdana" panose="020B0604030504040204" pitchFamily="34" charset="0"/>
+                        </a:rPr>
+                        <a:t>Unofficial Transcript</a:t>
+                      </a:r>
+                    </a:p>
+                  </a:txBody>
+                  <a:tcPr marL="81462" marR="81462" marT="40731" marB="40731"/>
+                </a:tc>
+                <a:tc>
+                  <a:txBody>
+                    <a:bodyPr/>
+                    <a:lstStyle/>
+                    <a:p>
+                      <a:endParaRPr lang="en-US" sz="500"/>
+                    </a:p>
+                  </a:txBody>
+                  <a:tcPr marL="81462" marR="81462" marT="40731" marB="40731"/>
+                </a:tc>
+                <a:tc>
+                  <a:txBody>
+                    <a:bodyPr/>
+                    <a:lstStyle/>
+                    <a:p>
+                      <a:endParaRPr lang="en-US" sz="500"/>
+                    </a:p>
+                  </a:txBody>
+                  <a:tcPr marL="81462" marR="81462" marT="40731" marB="40731"/>
+                </a:tc>
+                <a:tc>
+                  <a:txBody>
+                    <a:bodyPr/>
+                    <a:lstStyle/>
+                    <a:p>
+                      <a:endParaRPr lang="en-US" sz="500"/>
+                    </a:p>
+                  </a:txBody>
+                  <a:tcPr marL="81462" marR="81462" marT="40731" marB="40731"/>
+                </a:tc>
+                <a:tc>
+                  <a:txBody>
+                    <a:bodyPr/>
+                    <a:lstStyle/>
+                    <a:p>
+                      <a:endParaRPr lang="en-US" sz="500"/>
+                    </a:p>
+                  </a:txBody>
+                  <a:tcPr marL="81462" marR="81462" marT="40731" marB="40731"/>
+                </a:tc>
+                <a:tc>
+                  <a:txBody>
+                    <a:bodyPr/>
+                    <a:lstStyle/>
+                    <a:p>
+                      <a:endParaRPr lang="en-US" sz="500"/>
+                    </a:p>
+                  </a:txBody>
+                  <a:tcPr marL="81462" marR="81462" marT="40731" marB="40731"/>
+                </a:tc>
+                <a:tc>
+                  <a:txBody>
+                    <a:bodyPr/>
+                    <a:lstStyle/>
+                    <a:p>
+                      <a:endParaRPr lang="en-US" sz="500"/>
+                    </a:p>
+                  </a:txBody>
+                  <a:tcPr marL="81462" marR="81462" marT="40731" marB="40731"/>
+                </a:tc>
+                <a:tc>
+                  <a:txBody>
+                    <a:bodyPr/>
+                    <a:lstStyle/>
+                    <a:p>
+                      <a:endParaRPr lang="en-US" sz="500"/>
+                    </a:p>
+                  </a:txBody>
+                  <a:tcPr marL="81462" marR="81462" marT="40731" marB="40731"/>
+                </a:tc>
+                <a:tc>
+                  <a:txBody>
+                    <a:bodyPr/>
+                    <a:lstStyle/>
+                    <a:p>
+                      <a:endParaRPr lang="en-US" sz="500"/>
+                    </a:p>
+                  </a:txBody>
+                  <a:tcPr marL="81462" marR="81462" marT="40731" marB="40731"/>
+                </a:tc>
+                <a:tc>
+                  <a:txBody>
+                    <a:bodyPr/>
+                    <a:lstStyle/>
+                    <a:p>
+                      <a:endParaRPr lang="en-US" sz="500"/>
+                    </a:p>
+                  </a:txBody>
+                  <a:tcPr marL="81462" marR="81462" marT="40731" marB="40731"/>
+                </a:tc>
+                <a:tc>
+                  <a:txBody>
+                    <a:bodyPr/>
+                    <a:lstStyle/>
+                    <a:p>
+                      <a:endParaRPr lang="en-US" sz="500"/>
+                    </a:p>
+                  </a:txBody>
+                  <a:tcPr marL="81462" marR="81462" marT="40731" marB="40731"/>
+                </a:tc>
+                <a:tc>
+                  <a:txBody>
+                    <a:bodyPr/>
+                    <a:lstStyle/>
+                    <a:p>
+                      <a:endParaRPr lang="en-US" sz="500"/>
+                    </a:p>
+                  </a:txBody>
+                  <a:tcPr marL="81462" marR="81462" marT="40731" marB="40731"/>
+                </a:tc>
+                <a:tc>
+                  <a:txBody>
+                    <a:bodyPr/>
+                    <a:lstStyle/>
+                    <a:p>
+                      <a:endParaRPr lang="en-US" sz="500" dirty="0"/>
+                    </a:p>
+                  </a:txBody>
+                  <a:tcPr marL="81462" marR="81462" marT="40731" marB="40731"/>
+                </a:tc>
+                <a:extLst>
+                  <a:ext uri="{0D108BD9-81ED-4DB2-BD59-A6C34878D82A}">
+                    <a16:rowId xmlns:a16="http://schemas.microsoft.com/office/drawing/2014/main" val="2136991627"/>
+                  </a:ext>
+                </a:extLst>
+              </a:tr>
+              <a:tr h="330372">
+                <a:tc gridSpan="12">
+                  <a:txBody>
+                    <a:bodyPr/>
+                    <a:lstStyle/>
+                    <a:p>
+                      <a:pPr algn="l" fontAlgn="t"/>
+                      <a:r>
+                        <a:rPr lang="en-US" sz="500" b="1" i="0" dirty="0">
+                          <a:solidFill>
+                            <a:srgbClr val="FFA500"/>
+                          </a:solidFill>
+                          <a:effectLst/>
+                          <a:latin typeface="Verdana" panose="020B0604030504040204" pitchFamily="34" charset="0"/>
+                        </a:rPr>
+                        <a:t>Term: Spring 2017</a:t>
+                      </a:r>
+                      <a:endParaRPr lang="en-US" sz="500" b="1" i="0" dirty="0">
+                        <a:solidFill>
+                          <a:srgbClr val="000000"/>
+                        </a:solidFill>
+                        <a:effectLst/>
+                        <a:latin typeface="Verdana" panose="020B0604030504040204" pitchFamily="34" charset="0"/>
+                      </a:endParaRPr>
+                    </a:p>
+                  </a:txBody>
+                  <a:tcPr marL="81462" marR="81462" marT="40731" marB="40731"/>
+                </a:tc>
+                <a:tc hMerge="1">
+                  <a:txBody>
+                    <a:bodyPr/>
+                    <a:lstStyle/>
+                    <a:p>
+                      <a:endParaRPr lang="en-US"/>
+                    </a:p>
+                  </a:txBody>
+                  <a:tcPr/>
+                </a:tc>
+                <a:tc hMerge="1">
+                  <a:txBody>
+                    <a:bodyPr/>
+                    <a:lstStyle/>
+                    <a:p>
+                      <a:endParaRPr lang="en-US"/>
+                    </a:p>
+                  </a:txBody>
+                  <a:tcPr/>
+                </a:tc>
+                <a:tc hMerge="1">
+                  <a:txBody>
+                    <a:bodyPr/>
+                    <a:lstStyle/>
+                    <a:p>
+                      <a:endParaRPr lang="en-US"/>
+                    </a:p>
+                  </a:txBody>
+                  <a:tcPr/>
+                </a:tc>
+                <a:tc hMerge="1">
+                  <a:txBody>
+                    <a:bodyPr/>
+                    <a:lstStyle/>
+                    <a:p>
+                      <a:endParaRPr lang="en-US"/>
+                    </a:p>
+                  </a:txBody>
+                  <a:tcPr/>
+                </a:tc>
+                <a:tc hMerge="1">
+                  <a:txBody>
+                    <a:bodyPr/>
+                    <a:lstStyle/>
+                    <a:p>
+                      <a:endParaRPr lang="en-US"/>
+                    </a:p>
+                  </a:txBody>
+                  <a:tcPr/>
+                </a:tc>
+                <a:tc hMerge="1">
+                  <a:txBody>
+                    <a:bodyPr/>
+                    <a:lstStyle/>
+                    <a:p>
+                      <a:endParaRPr lang="en-US"/>
+                    </a:p>
+                  </a:txBody>
+                  <a:tcPr/>
+                </a:tc>
+                <a:tc hMerge="1">
+                  <a:txBody>
+                    <a:bodyPr/>
+                    <a:lstStyle/>
+                    <a:p>
+                      <a:endParaRPr lang="en-US"/>
+                    </a:p>
+                  </a:txBody>
+                  <a:tcPr/>
+                </a:tc>
+                <a:tc hMerge="1">
+                  <a:txBody>
+                    <a:bodyPr/>
+                    <a:lstStyle/>
+                    <a:p>
+                      <a:endParaRPr lang="en-US"/>
+                    </a:p>
+                  </a:txBody>
+                  <a:tcPr/>
+                </a:tc>
+                <a:tc hMerge="1">
+                  <a:txBody>
+                    <a:bodyPr/>
+                    <a:lstStyle/>
+                    <a:p>
+                      <a:endParaRPr lang="en-US"/>
+                    </a:p>
+                  </a:txBody>
+                  <a:tcPr/>
+                </a:tc>
+                <a:tc hMerge="1">
+                  <a:txBody>
+                    <a:bodyPr/>
+                    <a:lstStyle/>
+                    <a:p>
+                      <a:endParaRPr lang="en-US"/>
+                    </a:p>
+                  </a:txBody>
+                  <a:tcPr/>
+                </a:tc>
+                <a:tc hMerge="1">
+                  <a:txBody>
+                    <a:bodyPr/>
+                    <a:lstStyle/>
+                    <a:p>
+                      <a:endParaRPr lang="en-US"/>
+                    </a:p>
+                  </a:txBody>
+                  <a:tcPr/>
+                </a:tc>
+                <a:tc>
+                  <a:txBody>
+                    <a:bodyPr/>
+                    <a:lstStyle/>
+                    <a:p>
+                      <a:endParaRPr lang="en-US" sz="500"/>
+                    </a:p>
+                  </a:txBody>
+                  <a:tcPr marL="81462" marR="81462" marT="40731" marB="40731"/>
+                </a:tc>
+                <a:extLst>
+                  <a:ext uri="{0D108BD9-81ED-4DB2-BD59-A6C34878D82A}">
+                    <a16:rowId xmlns:a16="http://schemas.microsoft.com/office/drawing/2014/main" val="3132120775"/>
+                  </a:ext>
+                </a:extLst>
+              </a:tr>
+              <a:tr h="330372">
+                <a:tc gridSpan="4">
+                  <a:txBody>
+                    <a:bodyPr/>
+                    <a:lstStyle/>
+                    <a:p>
+                      <a:pPr algn="l" fontAlgn="t"/>
+                      <a:r>
+                        <a:rPr lang="en-US" sz="500" b="1" i="0">
+                          <a:solidFill>
+                            <a:srgbClr val="000000"/>
+                          </a:solidFill>
+                          <a:effectLst/>
+                          <a:latin typeface="Verdana" panose="020B0604030504040204" pitchFamily="34" charset="0"/>
+                        </a:rPr>
+                        <a:t>Major:</a:t>
+                      </a:r>
+                    </a:p>
+                  </a:txBody>
+                  <a:tcPr marL="81462" marR="81462" marT="40731" marB="40731"/>
+                </a:tc>
+                <a:tc hMerge="1">
+                  <a:txBody>
+                    <a:bodyPr/>
+                    <a:lstStyle/>
+                    <a:p>
+                      <a:endParaRPr lang="en-US"/>
+                    </a:p>
+                  </a:txBody>
+                  <a:tcPr/>
+                </a:tc>
+                <a:tc hMerge="1">
+                  <a:txBody>
+                    <a:bodyPr/>
+                    <a:lstStyle/>
+                    <a:p>
+                      <a:endParaRPr lang="en-US"/>
+                    </a:p>
+                  </a:txBody>
+                  <a:tcPr/>
+                </a:tc>
+                <a:tc hMerge="1">
+                  <a:txBody>
+                    <a:bodyPr/>
+                    <a:lstStyle/>
+                    <a:p>
+                      <a:endParaRPr lang="en-US"/>
+                    </a:p>
+                  </a:txBody>
+                  <a:tcPr/>
+                </a:tc>
+                <a:tc gridSpan="7">
+                  <a:txBody>
+                    <a:bodyPr/>
+                    <a:lstStyle/>
+                    <a:p>
+                      <a:pPr algn="l" fontAlgn="t"/>
+                      <a:r>
+                        <a:rPr lang="en-US" sz="500" b="0" i="0" dirty="0">
+                          <a:solidFill>
+                            <a:srgbClr val="000000"/>
+                          </a:solidFill>
+                          <a:effectLst/>
+                          <a:latin typeface="Verdana" panose="020B0604030504040204" pitchFamily="34" charset="0"/>
+                        </a:rPr>
+                        <a:t>Computer Science</a:t>
+                      </a:r>
+                    </a:p>
+                  </a:txBody>
+                  <a:tcPr marL="81462" marR="81462" marT="40731" marB="40731"/>
+                </a:tc>
+                <a:tc hMerge="1">
+                  <a:txBody>
+                    <a:bodyPr/>
+                    <a:lstStyle/>
+                    <a:p>
+                      <a:endParaRPr lang="en-US"/>
+                    </a:p>
+                  </a:txBody>
+                  <a:tcPr/>
+                </a:tc>
+                <a:tc hMerge="1">
+                  <a:txBody>
+                    <a:bodyPr/>
+                    <a:lstStyle/>
+                    <a:p>
+                      <a:endParaRPr lang="en-US"/>
+                    </a:p>
+                  </a:txBody>
+                  <a:tcPr/>
+                </a:tc>
+                <a:tc hMerge="1">
+                  <a:txBody>
+                    <a:bodyPr/>
+                    <a:lstStyle/>
+                    <a:p>
+                      <a:endParaRPr lang="en-US"/>
+                    </a:p>
+                  </a:txBody>
+                  <a:tcPr/>
+                </a:tc>
+                <a:tc hMerge="1">
+                  <a:txBody>
+                    <a:bodyPr/>
+                    <a:lstStyle/>
+                    <a:p>
+                      <a:endParaRPr lang="en-US"/>
+                    </a:p>
+                  </a:txBody>
+                  <a:tcPr/>
+                </a:tc>
+                <a:tc hMerge="1">
+                  <a:txBody>
+                    <a:bodyPr/>
+                    <a:lstStyle/>
+                    <a:p>
+                      <a:endParaRPr lang="en-US"/>
+                    </a:p>
+                  </a:txBody>
+                  <a:tcPr/>
+                </a:tc>
+                <a:tc hMerge="1">
+                  <a:txBody>
+                    <a:bodyPr/>
+                    <a:lstStyle/>
+                    <a:p>
+                      <a:endParaRPr lang="en-US"/>
+                    </a:p>
+                  </a:txBody>
+                  <a:tcPr/>
+                </a:tc>
+                <a:tc>
+                  <a:txBody>
+                    <a:bodyPr/>
+                    <a:lstStyle/>
+                    <a:p>
+                      <a:endParaRPr lang="en-US" sz="500"/>
+                    </a:p>
+                  </a:txBody>
+                  <a:tcPr marL="81462" marR="81462" marT="40731" marB="40731"/>
+                </a:tc>
+                <a:tc>
+                  <a:txBody>
+                    <a:bodyPr/>
+                    <a:lstStyle/>
+                    <a:p>
+                      <a:endParaRPr lang="en-US" sz="500" dirty="0"/>
+                    </a:p>
+                  </a:txBody>
+                  <a:tcPr marL="81462" marR="81462" marT="40731" marB="40731"/>
+                </a:tc>
+                <a:extLst>
+                  <a:ext uri="{0D108BD9-81ED-4DB2-BD59-A6C34878D82A}">
+                    <a16:rowId xmlns:a16="http://schemas.microsoft.com/office/drawing/2014/main" val="3539464731"/>
+                  </a:ext>
+                </a:extLst>
+              </a:tr>
+              <a:tr h="330372">
+                <a:tc gridSpan="4">
+                  <a:txBody>
+                    <a:bodyPr/>
+                    <a:lstStyle/>
+                    <a:p>
+                      <a:pPr algn="l" fontAlgn="t"/>
+                      <a:r>
+                        <a:rPr lang="en-US" sz="500" b="1" i="0">
+                          <a:solidFill>
+                            <a:srgbClr val="000000"/>
+                          </a:solidFill>
+                          <a:effectLst/>
+                          <a:latin typeface="Verdana" panose="020B0604030504040204" pitchFamily="34" charset="0"/>
+                        </a:rPr>
+                        <a:t>Academic Standing:</a:t>
+                      </a:r>
+                    </a:p>
+                  </a:txBody>
+                  <a:tcPr marL="81462" marR="81462" marT="40731" marB="40731"/>
+                </a:tc>
+                <a:tc hMerge="1">
+                  <a:txBody>
+                    <a:bodyPr/>
+                    <a:lstStyle/>
+                    <a:p>
+                      <a:endParaRPr lang="en-US"/>
+                    </a:p>
+                  </a:txBody>
+                  <a:tcPr/>
+                </a:tc>
+                <a:tc hMerge="1">
+                  <a:txBody>
+                    <a:bodyPr/>
+                    <a:lstStyle/>
+                    <a:p>
+                      <a:endParaRPr lang="en-US"/>
+                    </a:p>
+                  </a:txBody>
+                  <a:tcPr/>
+                </a:tc>
+                <a:tc hMerge="1">
+                  <a:txBody>
+                    <a:bodyPr/>
+                    <a:lstStyle/>
+                    <a:p>
+                      <a:endParaRPr lang="en-US"/>
+                    </a:p>
+                  </a:txBody>
+                  <a:tcPr/>
+                </a:tc>
+                <a:tc gridSpan="7">
+                  <a:txBody>
+                    <a:bodyPr/>
+                    <a:lstStyle/>
+                    <a:p>
+                      <a:pPr algn="l" fontAlgn="t"/>
+                      <a:r>
+                        <a:rPr lang="en-US" sz="500" b="0" i="0">
+                          <a:solidFill>
+                            <a:srgbClr val="000000"/>
+                          </a:solidFill>
+                          <a:effectLst/>
+                          <a:latin typeface="Verdana" panose="020B0604030504040204" pitchFamily="34" charset="0"/>
+                        </a:rPr>
+                        <a:t>Good Standing</a:t>
+                      </a:r>
+                    </a:p>
+                  </a:txBody>
+                  <a:tcPr marL="81462" marR="81462" marT="40731" marB="40731"/>
+                </a:tc>
+                <a:tc hMerge="1">
+                  <a:txBody>
+                    <a:bodyPr/>
+                    <a:lstStyle/>
+                    <a:p>
+                      <a:endParaRPr lang="en-US"/>
+                    </a:p>
+                  </a:txBody>
+                  <a:tcPr/>
+                </a:tc>
+                <a:tc hMerge="1">
+                  <a:txBody>
+                    <a:bodyPr/>
+                    <a:lstStyle/>
+                    <a:p>
+                      <a:endParaRPr lang="en-US"/>
+                    </a:p>
+                  </a:txBody>
+                  <a:tcPr/>
+                </a:tc>
+                <a:tc hMerge="1">
+                  <a:txBody>
+                    <a:bodyPr/>
+                    <a:lstStyle/>
+                    <a:p>
+                      <a:endParaRPr lang="en-US"/>
+                    </a:p>
+                  </a:txBody>
+                  <a:tcPr/>
+                </a:tc>
+                <a:tc hMerge="1">
+                  <a:txBody>
+                    <a:bodyPr/>
+                    <a:lstStyle/>
+                    <a:p>
+                      <a:endParaRPr lang="en-US"/>
+                    </a:p>
+                  </a:txBody>
+                  <a:tcPr/>
+                </a:tc>
+                <a:tc hMerge="1">
+                  <a:txBody>
+                    <a:bodyPr/>
+                    <a:lstStyle/>
+                    <a:p>
+                      <a:endParaRPr lang="en-US"/>
+                    </a:p>
+                  </a:txBody>
+                  <a:tcPr/>
+                </a:tc>
+                <a:tc hMerge="1">
+                  <a:txBody>
+                    <a:bodyPr/>
+                    <a:lstStyle/>
+                    <a:p>
+                      <a:endParaRPr lang="en-US"/>
+                    </a:p>
+                  </a:txBody>
+                  <a:tcPr/>
+                </a:tc>
+                <a:tc>
+                  <a:txBody>
+                    <a:bodyPr/>
+                    <a:lstStyle/>
+                    <a:p>
+                      <a:endParaRPr lang="en-US" sz="500"/>
+                    </a:p>
+                  </a:txBody>
+                  <a:tcPr marL="81462" marR="81462" marT="40731" marB="40731"/>
+                </a:tc>
+                <a:tc>
+                  <a:txBody>
+                    <a:bodyPr/>
+                    <a:lstStyle/>
+                    <a:p>
+                      <a:endParaRPr lang="en-US" sz="500"/>
+                    </a:p>
+                  </a:txBody>
+                  <a:tcPr marL="81462" marR="81462" marT="40731" marB="40731"/>
+                </a:tc>
+                <a:extLst>
+                  <a:ext uri="{0D108BD9-81ED-4DB2-BD59-A6C34878D82A}">
+                    <a16:rowId xmlns:a16="http://schemas.microsoft.com/office/drawing/2014/main" val="1083092873"/>
+                  </a:ext>
+                </a:extLst>
+              </a:tr>
+              <a:tr h="330372">
+                <a:tc>
+                  <a:txBody>
+                    <a:bodyPr/>
+                    <a:lstStyle/>
+                    <a:p>
+                      <a:pPr algn="l" fontAlgn="t"/>
+                      <a:r>
+                        <a:rPr lang="en-US" sz="500" b="1" i="0">
+                          <a:solidFill>
+                            <a:srgbClr val="000000"/>
+                          </a:solidFill>
+                          <a:effectLst/>
+                          <a:latin typeface="Verdana" panose="020B0604030504040204" pitchFamily="34" charset="0"/>
+                        </a:rPr>
+                        <a:t>Subject</a:t>
+                      </a:r>
+                    </a:p>
+                  </a:txBody>
+                  <a:tcPr marL="81462" marR="81462" marT="40731" marB="40731"/>
+                </a:tc>
+                <a:tc>
+                  <a:txBody>
+                    <a:bodyPr/>
+                    <a:lstStyle/>
+                    <a:p>
+                      <a:pPr algn="l" fontAlgn="t"/>
+                      <a:r>
+                        <a:rPr lang="en-US" sz="500" b="1" i="0">
+                          <a:solidFill>
+                            <a:srgbClr val="000000"/>
+                          </a:solidFill>
+                          <a:effectLst/>
+                          <a:latin typeface="Verdana" panose="020B0604030504040204" pitchFamily="34" charset="0"/>
+                        </a:rPr>
+                        <a:t>Course</a:t>
+                      </a:r>
+                    </a:p>
+                  </a:txBody>
+                  <a:tcPr marL="81462" marR="81462" marT="40731" marB="40731"/>
+                </a:tc>
+                <a:tc>
+                  <a:txBody>
+                    <a:bodyPr/>
+                    <a:lstStyle/>
+                    <a:p>
+                      <a:pPr algn="l" fontAlgn="t"/>
+                      <a:r>
+                        <a:rPr lang="en-US" sz="500" b="1" i="0">
+                          <a:solidFill>
+                            <a:srgbClr val="000000"/>
+                          </a:solidFill>
+                          <a:effectLst/>
+                          <a:latin typeface="Verdana" panose="020B0604030504040204" pitchFamily="34" charset="0"/>
+                        </a:rPr>
+                        <a:t>Level</a:t>
+                      </a:r>
+                    </a:p>
+                  </a:txBody>
+                  <a:tcPr marL="81462" marR="81462" marT="40731" marB="40731"/>
+                </a:tc>
+                <a:tc gridSpan="4">
+                  <a:txBody>
+                    <a:bodyPr/>
+                    <a:lstStyle/>
+                    <a:p>
+                      <a:pPr algn="l" fontAlgn="t"/>
+                      <a:r>
+                        <a:rPr lang="en-US" sz="500" b="1" i="0">
+                          <a:solidFill>
+                            <a:srgbClr val="000000"/>
+                          </a:solidFill>
+                          <a:effectLst/>
+                          <a:latin typeface="Verdana" panose="020B0604030504040204" pitchFamily="34" charset="0"/>
+                        </a:rPr>
+                        <a:t>Title</a:t>
+                      </a:r>
+                    </a:p>
+                  </a:txBody>
+                  <a:tcPr marL="81462" marR="81462" marT="40731" marB="40731"/>
+                </a:tc>
+                <a:tc hMerge="1">
+                  <a:txBody>
+                    <a:bodyPr/>
+                    <a:lstStyle/>
+                    <a:p>
+                      <a:endParaRPr lang="en-US"/>
+                    </a:p>
+                  </a:txBody>
+                  <a:tcPr/>
+                </a:tc>
+                <a:tc hMerge="1">
+                  <a:txBody>
+                    <a:bodyPr/>
+                    <a:lstStyle/>
+                    <a:p>
+                      <a:endParaRPr lang="en-US"/>
+                    </a:p>
+                  </a:txBody>
+                  <a:tcPr/>
+                </a:tc>
+                <a:tc hMerge="1">
+                  <a:txBody>
+                    <a:bodyPr/>
+                    <a:lstStyle/>
+                    <a:p>
+                      <a:endParaRPr lang="en-US"/>
+                    </a:p>
+                  </a:txBody>
+                  <a:tcPr/>
+                </a:tc>
+                <a:tc>
+                  <a:txBody>
+                    <a:bodyPr/>
+                    <a:lstStyle/>
+                    <a:p>
+                      <a:pPr algn="l" fontAlgn="t"/>
+                      <a:r>
+                        <a:rPr lang="en-US" sz="500" b="1" i="0">
+                          <a:solidFill>
+                            <a:srgbClr val="000000"/>
+                          </a:solidFill>
+                          <a:effectLst/>
+                          <a:latin typeface="Verdana" panose="020B0604030504040204" pitchFamily="34" charset="0"/>
+                        </a:rPr>
+                        <a:t>Grade</a:t>
+                      </a:r>
+                    </a:p>
+                  </a:txBody>
+                  <a:tcPr marL="81462" marR="81462" marT="40731" marB="40731"/>
+                </a:tc>
+                <a:tc>
+                  <a:txBody>
+                    <a:bodyPr/>
+                    <a:lstStyle/>
+                    <a:p>
+                      <a:pPr algn="l" fontAlgn="t"/>
+                      <a:r>
+                        <a:rPr lang="en-US" sz="500" b="1" i="0">
+                          <a:solidFill>
+                            <a:srgbClr val="000000"/>
+                          </a:solidFill>
+                          <a:effectLst/>
+                          <a:latin typeface="Verdana" panose="020B0604030504040204" pitchFamily="34" charset="0"/>
+                        </a:rPr>
+                        <a:t>Credit Hours</a:t>
+                      </a:r>
+                    </a:p>
+                  </a:txBody>
+                  <a:tcPr marL="81462" marR="81462" marT="40731" marB="40731"/>
+                </a:tc>
+                <a:tc>
+                  <a:txBody>
+                    <a:bodyPr/>
+                    <a:lstStyle/>
+                    <a:p>
+                      <a:pPr algn="l" fontAlgn="t"/>
+                      <a:r>
+                        <a:rPr lang="en-US" sz="500" b="1" i="0">
+                          <a:solidFill>
+                            <a:srgbClr val="000000"/>
+                          </a:solidFill>
+                          <a:effectLst/>
+                          <a:latin typeface="Verdana" panose="020B0604030504040204" pitchFamily="34" charset="0"/>
+                        </a:rPr>
+                        <a:t>Quality Points</a:t>
+                      </a:r>
+                    </a:p>
+                  </a:txBody>
+                  <a:tcPr marL="81462" marR="81462" marT="40731" marB="40731"/>
+                </a:tc>
+                <a:tc>
+                  <a:txBody>
+                    <a:bodyPr/>
+                    <a:lstStyle/>
+                    <a:p>
+                      <a:pPr algn="l" fontAlgn="t"/>
+                      <a:r>
+                        <a:rPr lang="en-US" sz="500" b="1" i="0">
+                          <a:solidFill>
+                            <a:srgbClr val="000000"/>
+                          </a:solidFill>
+                          <a:effectLst/>
+                          <a:latin typeface="Verdana" panose="020B0604030504040204" pitchFamily="34" charset="0"/>
+                        </a:rPr>
+                        <a:t>Start and End Dates</a:t>
+                      </a:r>
+                    </a:p>
+                  </a:txBody>
+                  <a:tcPr marL="81462" marR="81462" marT="40731" marB="40731"/>
+                </a:tc>
+                <a:tc>
+                  <a:txBody>
+                    <a:bodyPr/>
+                    <a:lstStyle/>
+                    <a:p>
+                      <a:pPr algn="l" fontAlgn="t"/>
+                      <a:r>
+                        <a:rPr lang="en-US" sz="500" b="1" i="0">
+                          <a:solidFill>
+                            <a:srgbClr val="000000"/>
+                          </a:solidFill>
+                          <a:effectLst/>
+                          <a:latin typeface="Verdana" panose="020B0604030504040204" pitchFamily="34" charset="0"/>
+                        </a:rPr>
+                        <a:t>R</a:t>
+                      </a:r>
+                    </a:p>
+                  </a:txBody>
+                  <a:tcPr marL="81462" marR="81462" marT="40731" marB="40731"/>
+                </a:tc>
+                <a:tc>
+                  <a:txBody>
+                    <a:bodyPr/>
+                    <a:lstStyle/>
+                    <a:p>
+                      <a:endParaRPr lang="en-US" sz="500"/>
+                    </a:p>
+                  </a:txBody>
+                  <a:tcPr marL="81462" marR="81462" marT="40731" marB="40731"/>
+                </a:tc>
+                <a:extLst>
+                  <a:ext uri="{0D108BD9-81ED-4DB2-BD59-A6C34878D82A}">
+                    <a16:rowId xmlns:a16="http://schemas.microsoft.com/office/drawing/2014/main" val="989724820"/>
+                  </a:ext>
+                </a:extLst>
+              </a:tr>
+              <a:tr h="330372">
+                <a:tc>
+                  <a:txBody>
+                    <a:bodyPr/>
+                    <a:lstStyle/>
+                    <a:p>
+                      <a:pPr algn="l" fontAlgn="t"/>
+                      <a:r>
+                        <a:rPr lang="en-US" sz="500" b="0" i="0">
+                          <a:solidFill>
+                            <a:srgbClr val="000000"/>
+                          </a:solidFill>
+                          <a:effectLst/>
+                          <a:latin typeface="Verdana" panose="020B0604030504040204" pitchFamily="34" charset="0"/>
+                        </a:rPr>
+                        <a:t>BIOL</a:t>
+                      </a:r>
+                    </a:p>
+                  </a:txBody>
+                  <a:tcPr marL="81462" marR="81462" marT="40731" marB="40731"/>
+                </a:tc>
+                <a:tc>
+                  <a:txBody>
+                    <a:bodyPr/>
+                    <a:lstStyle/>
+                    <a:p>
+                      <a:pPr algn="l" fontAlgn="t"/>
+                      <a:r>
+                        <a:rPr lang="en-US" sz="500" b="0" i="0">
+                          <a:solidFill>
+                            <a:srgbClr val="000000"/>
+                          </a:solidFill>
+                          <a:effectLst/>
+                          <a:latin typeface="Verdana" panose="020B0604030504040204" pitchFamily="34" charset="0"/>
+                        </a:rPr>
+                        <a:t>101</a:t>
+                      </a:r>
+                    </a:p>
+                  </a:txBody>
+                  <a:tcPr marL="81462" marR="81462" marT="40731" marB="40731"/>
+                </a:tc>
+                <a:tc>
+                  <a:txBody>
+                    <a:bodyPr/>
+                    <a:lstStyle/>
+                    <a:p>
+                      <a:pPr algn="l" fontAlgn="t"/>
+                      <a:r>
+                        <a:rPr lang="en-US" sz="500" b="0" i="0">
+                          <a:solidFill>
+                            <a:srgbClr val="000000"/>
+                          </a:solidFill>
+                          <a:effectLst/>
+                          <a:latin typeface="Verdana" panose="020B0604030504040204" pitchFamily="34" charset="0"/>
+                        </a:rPr>
+                        <a:t>01</a:t>
+                      </a:r>
+                    </a:p>
+                  </a:txBody>
+                  <a:tcPr marL="81462" marR="81462" marT="40731" marB="40731"/>
+                </a:tc>
+                <a:tc gridSpan="4">
+                  <a:txBody>
+                    <a:bodyPr/>
+                    <a:lstStyle/>
+                    <a:p>
+                      <a:pPr algn="l" fontAlgn="t"/>
+                      <a:r>
+                        <a:rPr lang="en-US" sz="500" b="0" i="0">
+                          <a:solidFill>
+                            <a:srgbClr val="000000"/>
+                          </a:solidFill>
+                          <a:effectLst/>
+                          <a:latin typeface="Verdana" panose="020B0604030504040204" pitchFamily="34" charset="0"/>
+                        </a:rPr>
+                        <a:t>~GENERAL BIOLOGY 1</a:t>
+                      </a:r>
+                    </a:p>
+                  </a:txBody>
+                  <a:tcPr marL="81462" marR="81462" marT="40731" marB="40731"/>
+                </a:tc>
+                <a:tc hMerge="1">
+                  <a:txBody>
+                    <a:bodyPr/>
+                    <a:lstStyle/>
+                    <a:p>
+                      <a:endParaRPr lang="en-US"/>
+                    </a:p>
+                  </a:txBody>
+                  <a:tcPr/>
+                </a:tc>
+                <a:tc hMerge="1">
+                  <a:txBody>
+                    <a:bodyPr/>
+                    <a:lstStyle/>
+                    <a:p>
+                      <a:endParaRPr lang="en-US"/>
+                    </a:p>
+                  </a:txBody>
+                  <a:tcPr/>
+                </a:tc>
+                <a:tc hMerge="1">
+                  <a:txBody>
+                    <a:bodyPr/>
+                    <a:lstStyle/>
+                    <a:p>
+                      <a:endParaRPr lang="en-US"/>
+                    </a:p>
+                  </a:txBody>
+                  <a:tcPr/>
+                </a:tc>
+                <a:tc>
+                  <a:txBody>
+                    <a:bodyPr/>
+                    <a:lstStyle/>
+                    <a:p>
+                      <a:pPr algn="l" fontAlgn="t"/>
+                      <a:r>
+                        <a:rPr lang="en-US" sz="500" b="0" i="0">
+                          <a:solidFill>
+                            <a:srgbClr val="000000"/>
+                          </a:solidFill>
+                          <a:effectLst/>
+                          <a:latin typeface="Verdana" panose="020B0604030504040204" pitchFamily="34" charset="0"/>
+                        </a:rPr>
+                        <a:t>C</a:t>
+                      </a:r>
+                    </a:p>
+                  </a:txBody>
+                  <a:tcPr marL="81462" marR="81462" marT="40731" marB="40731"/>
+                </a:tc>
+                <a:tc>
+                  <a:txBody>
+                    <a:bodyPr/>
+                    <a:lstStyle/>
+                    <a:p>
+                      <a:pPr algn="r" fontAlgn="t"/>
+                      <a:r>
+                        <a:rPr lang="en-US" sz="500" b="0" i="0">
+                          <a:solidFill>
+                            <a:srgbClr val="000000"/>
+                          </a:solidFill>
+                          <a:effectLst/>
+                          <a:latin typeface="Verdana" panose="020B0604030504040204" pitchFamily="34" charset="0"/>
+                        </a:rPr>
+                        <a:t>3.000</a:t>
+                      </a:r>
+                    </a:p>
+                  </a:txBody>
+                  <a:tcPr marL="81462" marR="81462" marT="40731" marB="40731"/>
+                </a:tc>
+                <a:tc>
+                  <a:txBody>
+                    <a:bodyPr/>
+                    <a:lstStyle/>
+                    <a:p>
+                      <a:pPr algn="r" fontAlgn="t"/>
+                      <a:r>
+                        <a:rPr lang="en-US" sz="500" b="0" i="0">
+                          <a:solidFill>
+                            <a:srgbClr val="000000"/>
+                          </a:solidFill>
+                          <a:effectLst/>
+                          <a:latin typeface="Verdana" panose="020B0604030504040204" pitchFamily="34" charset="0"/>
+                        </a:rPr>
+                        <a:t>6.00</a:t>
+                      </a:r>
+                    </a:p>
+                  </a:txBody>
+                  <a:tcPr marL="81462" marR="81462" marT="40731" marB="40731"/>
+                </a:tc>
+                <a:tc>
+                  <a:txBody>
+                    <a:bodyPr/>
+                    <a:lstStyle/>
+                    <a:p>
+                      <a:pPr algn="l" fontAlgn="t"/>
+                      <a:r>
+                        <a:rPr lang="en-US" sz="500" b="0" i="0">
+                          <a:solidFill>
+                            <a:srgbClr val="000000"/>
+                          </a:solidFill>
+                          <a:effectLst/>
+                          <a:latin typeface="Verdana" panose="020B0604030504040204" pitchFamily="34" charset="0"/>
+                        </a:rPr>
+                        <a:t> </a:t>
+                      </a:r>
+                    </a:p>
+                  </a:txBody>
+                  <a:tcPr marL="81462" marR="81462" marT="40731" marB="40731"/>
+                </a:tc>
+                <a:tc>
+                  <a:txBody>
+                    <a:bodyPr/>
+                    <a:lstStyle/>
+                    <a:p>
+                      <a:pPr algn="l" fontAlgn="t"/>
+                      <a:r>
+                        <a:rPr lang="en-US" sz="500" b="0" i="0">
+                          <a:solidFill>
+                            <a:srgbClr val="000000"/>
+                          </a:solidFill>
+                          <a:effectLst/>
+                          <a:latin typeface="Verdana" panose="020B0604030504040204" pitchFamily="34" charset="0"/>
+                        </a:rPr>
+                        <a:t> </a:t>
+                      </a:r>
+                    </a:p>
+                  </a:txBody>
+                  <a:tcPr marL="81462" marR="81462" marT="40731" marB="40731"/>
+                </a:tc>
+                <a:tc>
+                  <a:txBody>
+                    <a:bodyPr/>
+                    <a:lstStyle/>
+                    <a:p>
+                      <a:pPr algn="l" fontAlgn="t"/>
+                      <a:r>
+                        <a:rPr lang="en-US" sz="500" b="0" i="0">
+                          <a:solidFill>
+                            <a:srgbClr val="000000"/>
+                          </a:solidFill>
+                          <a:effectLst/>
+                          <a:latin typeface="Verdana" panose="020B0604030504040204" pitchFamily="34" charset="0"/>
+                        </a:rPr>
+                        <a:t> </a:t>
+                      </a:r>
+                    </a:p>
+                  </a:txBody>
+                  <a:tcPr marL="81462" marR="81462" marT="40731" marB="40731"/>
+                </a:tc>
+                <a:extLst>
+                  <a:ext uri="{0D108BD9-81ED-4DB2-BD59-A6C34878D82A}">
+                    <a16:rowId xmlns:a16="http://schemas.microsoft.com/office/drawing/2014/main" val="754630607"/>
+                  </a:ext>
+                </a:extLst>
+              </a:tr>
+              <a:tr h="330372">
+                <a:tc>
+                  <a:txBody>
+                    <a:bodyPr/>
+                    <a:lstStyle/>
+                    <a:p>
+                      <a:pPr algn="l" fontAlgn="t"/>
+                      <a:r>
+                        <a:rPr lang="en-US" sz="500" b="0" i="0">
+                          <a:solidFill>
+                            <a:srgbClr val="000000"/>
+                          </a:solidFill>
+                          <a:effectLst/>
+                          <a:latin typeface="Verdana" panose="020B0604030504040204" pitchFamily="34" charset="0"/>
+                        </a:rPr>
+                        <a:t>BIOL</a:t>
+                      </a:r>
+                    </a:p>
+                  </a:txBody>
+                  <a:tcPr marL="81462" marR="81462" marT="40731" marB="40731"/>
+                </a:tc>
+                <a:tc>
+                  <a:txBody>
+                    <a:bodyPr/>
+                    <a:lstStyle/>
+                    <a:p>
+                      <a:pPr algn="l" fontAlgn="t"/>
+                      <a:r>
+                        <a:rPr lang="en-US" sz="500" b="0" i="0">
+                          <a:solidFill>
+                            <a:srgbClr val="000000"/>
+                          </a:solidFill>
+                          <a:effectLst/>
+                          <a:latin typeface="Verdana" panose="020B0604030504040204" pitchFamily="34" charset="0"/>
+                        </a:rPr>
+                        <a:t>103</a:t>
+                      </a:r>
+                    </a:p>
+                  </a:txBody>
+                  <a:tcPr marL="81462" marR="81462" marT="40731" marB="40731"/>
+                </a:tc>
+                <a:tc>
+                  <a:txBody>
+                    <a:bodyPr/>
+                    <a:lstStyle/>
+                    <a:p>
+                      <a:pPr algn="l" fontAlgn="t"/>
+                      <a:r>
+                        <a:rPr lang="en-US" sz="500" b="0" i="0">
+                          <a:solidFill>
+                            <a:srgbClr val="000000"/>
+                          </a:solidFill>
+                          <a:effectLst/>
+                          <a:latin typeface="Verdana" panose="020B0604030504040204" pitchFamily="34" charset="0"/>
+                        </a:rPr>
+                        <a:t>01</a:t>
+                      </a:r>
+                    </a:p>
+                  </a:txBody>
+                  <a:tcPr marL="81462" marR="81462" marT="40731" marB="40731"/>
+                </a:tc>
+                <a:tc gridSpan="4">
+                  <a:txBody>
+                    <a:bodyPr/>
+                    <a:lstStyle/>
+                    <a:p>
+                      <a:pPr algn="l" fontAlgn="t"/>
+                      <a:r>
+                        <a:rPr lang="en-US" sz="500" b="0" i="0">
+                          <a:solidFill>
+                            <a:srgbClr val="000000"/>
+                          </a:solidFill>
+                          <a:effectLst/>
+                          <a:latin typeface="Verdana" panose="020B0604030504040204" pitchFamily="34" charset="0"/>
+                        </a:rPr>
+                        <a:t>~GENERAL BIOLOGY 1 LAB</a:t>
+                      </a:r>
+                    </a:p>
+                  </a:txBody>
+                  <a:tcPr marL="81462" marR="81462" marT="40731" marB="40731"/>
+                </a:tc>
+                <a:tc hMerge="1">
+                  <a:txBody>
+                    <a:bodyPr/>
+                    <a:lstStyle/>
+                    <a:p>
+                      <a:endParaRPr lang="en-US"/>
+                    </a:p>
+                  </a:txBody>
+                  <a:tcPr/>
+                </a:tc>
+                <a:tc hMerge="1">
+                  <a:txBody>
+                    <a:bodyPr/>
+                    <a:lstStyle/>
+                    <a:p>
+                      <a:endParaRPr lang="en-US"/>
+                    </a:p>
+                  </a:txBody>
+                  <a:tcPr/>
+                </a:tc>
+                <a:tc hMerge="1">
+                  <a:txBody>
+                    <a:bodyPr/>
+                    <a:lstStyle/>
+                    <a:p>
+                      <a:endParaRPr lang="en-US"/>
+                    </a:p>
+                  </a:txBody>
+                  <a:tcPr/>
+                </a:tc>
+                <a:tc>
+                  <a:txBody>
+                    <a:bodyPr/>
+                    <a:lstStyle/>
+                    <a:p>
+                      <a:pPr algn="l" fontAlgn="t"/>
+                      <a:r>
+                        <a:rPr lang="en-US" sz="500" b="0" i="0">
+                          <a:solidFill>
+                            <a:srgbClr val="000000"/>
+                          </a:solidFill>
+                          <a:effectLst/>
+                          <a:latin typeface="Verdana" panose="020B0604030504040204" pitchFamily="34" charset="0"/>
+                        </a:rPr>
+                        <a:t>C</a:t>
+                      </a:r>
+                    </a:p>
+                  </a:txBody>
+                  <a:tcPr marL="81462" marR="81462" marT="40731" marB="40731"/>
+                </a:tc>
+                <a:tc>
+                  <a:txBody>
+                    <a:bodyPr/>
+                    <a:lstStyle/>
+                    <a:p>
+                      <a:pPr algn="r" fontAlgn="t"/>
+                      <a:r>
+                        <a:rPr lang="en-US" sz="500" b="0" i="0">
+                          <a:solidFill>
+                            <a:srgbClr val="000000"/>
+                          </a:solidFill>
+                          <a:effectLst/>
+                          <a:latin typeface="Verdana" panose="020B0604030504040204" pitchFamily="34" charset="0"/>
+                        </a:rPr>
+                        <a:t>1.000</a:t>
+                      </a:r>
+                    </a:p>
+                  </a:txBody>
+                  <a:tcPr marL="81462" marR="81462" marT="40731" marB="40731"/>
+                </a:tc>
+                <a:tc>
+                  <a:txBody>
+                    <a:bodyPr/>
+                    <a:lstStyle/>
+                    <a:p>
+                      <a:pPr algn="r" fontAlgn="t"/>
+                      <a:r>
+                        <a:rPr lang="en-US" sz="500" b="0" i="0">
+                          <a:solidFill>
+                            <a:srgbClr val="000000"/>
+                          </a:solidFill>
+                          <a:effectLst/>
+                          <a:latin typeface="Verdana" panose="020B0604030504040204" pitchFamily="34" charset="0"/>
+                        </a:rPr>
+                        <a:t>2.00</a:t>
+                      </a:r>
+                    </a:p>
+                  </a:txBody>
+                  <a:tcPr marL="81462" marR="81462" marT="40731" marB="40731"/>
+                </a:tc>
+                <a:tc>
+                  <a:txBody>
+                    <a:bodyPr/>
+                    <a:lstStyle/>
+                    <a:p>
+                      <a:pPr algn="l" fontAlgn="t"/>
+                      <a:r>
+                        <a:rPr lang="en-US" sz="500" b="0" i="0">
+                          <a:solidFill>
+                            <a:srgbClr val="000000"/>
+                          </a:solidFill>
+                          <a:effectLst/>
+                          <a:latin typeface="Verdana" panose="020B0604030504040204" pitchFamily="34" charset="0"/>
+                        </a:rPr>
+                        <a:t> </a:t>
+                      </a:r>
+                    </a:p>
+                  </a:txBody>
+                  <a:tcPr marL="81462" marR="81462" marT="40731" marB="40731"/>
+                </a:tc>
+                <a:tc>
+                  <a:txBody>
+                    <a:bodyPr/>
+                    <a:lstStyle/>
+                    <a:p>
+                      <a:pPr algn="l" fontAlgn="t"/>
+                      <a:r>
+                        <a:rPr lang="en-US" sz="500" b="0" i="0">
+                          <a:solidFill>
+                            <a:srgbClr val="000000"/>
+                          </a:solidFill>
+                          <a:effectLst/>
+                          <a:latin typeface="Verdana" panose="020B0604030504040204" pitchFamily="34" charset="0"/>
+                        </a:rPr>
+                        <a:t> </a:t>
+                      </a:r>
+                    </a:p>
+                  </a:txBody>
+                  <a:tcPr marL="81462" marR="81462" marT="40731" marB="40731"/>
+                </a:tc>
+                <a:tc>
+                  <a:txBody>
+                    <a:bodyPr/>
+                    <a:lstStyle/>
+                    <a:p>
+                      <a:pPr algn="l" fontAlgn="t"/>
+                      <a:r>
+                        <a:rPr lang="en-US" sz="500" b="0" i="0">
+                          <a:solidFill>
+                            <a:srgbClr val="000000"/>
+                          </a:solidFill>
+                          <a:effectLst/>
+                          <a:latin typeface="Verdana" panose="020B0604030504040204" pitchFamily="34" charset="0"/>
+                        </a:rPr>
+                        <a:t> </a:t>
+                      </a:r>
+                    </a:p>
+                  </a:txBody>
+                  <a:tcPr marL="81462" marR="81462" marT="40731" marB="40731"/>
+                </a:tc>
+                <a:extLst>
+                  <a:ext uri="{0D108BD9-81ED-4DB2-BD59-A6C34878D82A}">
+                    <a16:rowId xmlns:a16="http://schemas.microsoft.com/office/drawing/2014/main" val="812347115"/>
+                  </a:ext>
+                </a:extLst>
+              </a:tr>
+              <a:tr h="330372">
+                <a:tc>
+                  <a:txBody>
+                    <a:bodyPr/>
+                    <a:lstStyle/>
+                    <a:p>
+                      <a:pPr algn="l" fontAlgn="t"/>
+                      <a:r>
+                        <a:rPr lang="en-US" sz="500" b="0" i="0">
+                          <a:solidFill>
+                            <a:srgbClr val="000000"/>
+                          </a:solidFill>
+                          <a:effectLst/>
+                          <a:latin typeface="Verdana" panose="020B0604030504040204" pitchFamily="34" charset="0"/>
+                        </a:rPr>
+                        <a:t>CS</a:t>
+                      </a:r>
+                    </a:p>
+                  </a:txBody>
+                  <a:tcPr marL="81462" marR="81462" marT="40731" marB="40731"/>
+                </a:tc>
+                <a:tc>
+                  <a:txBody>
+                    <a:bodyPr/>
+                    <a:lstStyle/>
+                    <a:p>
+                      <a:pPr algn="l" fontAlgn="t"/>
+                      <a:r>
+                        <a:rPr lang="en-US" sz="500" b="0" i="0">
+                          <a:solidFill>
+                            <a:srgbClr val="000000"/>
+                          </a:solidFill>
+                          <a:effectLst/>
+                          <a:latin typeface="Verdana" panose="020B0604030504040204" pitchFamily="34" charset="0"/>
+                        </a:rPr>
+                        <a:t>122</a:t>
+                      </a:r>
+                    </a:p>
+                  </a:txBody>
+                  <a:tcPr marL="81462" marR="81462" marT="40731" marB="40731"/>
+                </a:tc>
+                <a:tc>
+                  <a:txBody>
+                    <a:bodyPr/>
+                    <a:lstStyle/>
+                    <a:p>
+                      <a:pPr algn="l" fontAlgn="t"/>
+                      <a:r>
+                        <a:rPr lang="en-US" sz="500" b="0" i="0">
+                          <a:solidFill>
+                            <a:srgbClr val="000000"/>
+                          </a:solidFill>
+                          <a:effectLst/>
+                          <a:latin typeface="Verdana" panose="020B0604030504040204" pitchFamily="34" charset="0"/>
+                        </a:rPr>
+                        <a:t>01</a:t>
+                      </a:r>
+                    </a:p>
+                  </a:txBody>
+                  <a:tcPr marL="81462" marR="81462" marT="40731" marB="40731"/>
+                </a:tc>
+                <a:tc gridSpan="4">
+                  <a:txBody>
+                    <a:bodyPr/>
+                    <a:lstStyle/>
+                    <a:p>
+                      <a:pPr algn="l" fontAlgn="t"/>
+                      <a:r>
+                        <a:rPr lang="en-US" sz="500" b="0" i="0">
+                          <a:solidFill>
+                            <a:srgbClr val="000000"/>
+                          </a:solidFill>
+                          <a:effectLst/>
+                          <a:latin typeface="Verdana" panose="020B0604030504040204" pitchFamily="34" charset="0"/>
+                        </a:rPr>
+                        <a:t>OBJECT ORIENTED PROGRAMMING</a:t>
+                      </a:r>
+                    </a:p>
+                  </a:txBody>
+                  <a:tcPr marL="81462" marR="81462" marT="40731" marB="40731"/>
+                </a:tc>
+                <a:tc hMerge="1">
+                  <a:txBody>
+                    <a:bodyPr/>
+                    <a:lstStyle/>
+                    <a:p>
+                      <a:endParaRPr lang="en-US"/>
+                    </a:p>
+                  </a:txBody>
+                  <a:tcPr/>
+                </a:tc>
+                <a:tc hMerge="1">
+                  <a:txBody>
+                    <a:bodyPr/>
+                    <a:lstStyle/>
+                    <a:p>
+                      <a:endParaRPr lang="en-US"/>
+                    </a:p>
+                  </a:txBody>
+                  <a:tcPr/>
+                </a:tc>
+                <a:tc hMerge="1">
+                  <a:txBody>
+                    <a:bodyPr/>
+                    <a:lstStyle/>
+                    <a:p>
+                      <a:endParaRPr lang="en-US"/>
+                    </a:p>
+                  </a:txBody>
+                  <a:tcPr/>
+                </a:tc>
+                <a:tc>
+                  <a:txBody>
+                    <a:bodyPr/>
+                    <a:lstStyle/>
+                    <a:p>
+                      <a:pPr algn="l" fontAlgn="t"/>
+                      <a:r>
+                        <a:rPr lang="en-US" sz="500" b="0" i="0">
+                          <a:solidFill>
+                            <a:srgbClr val="000000"/>
+                          </a:solidFill>
+                          <a:effectLst/>
+                          <a:latin typeface="Verdana" panose="020B0604030504040204" pitchFamily="34" charset="0"/>
+                        </a:rPr>
+                        <a:t>C</a:t>
+                      </a:r>
+                    </a:p>
+                  </a:txBody>
+                  <a:tcPr marL="81462" marR="81462" marT="40731" marB="40731"/>
+                </a:tc>
+                <a:tc>
+                  <a:txBody>
+                    <a:bodyPr/>
+                    <a:lstStyle/>
+                    <a:p>
+                      <a:pPr algn="r" fontAlgn="t"/>
+                      <a:r>
+                        <a:rPr lang="en-US" sz="500" b="0" i="0">
+                          <a:solidFill>
+                            <a:srgbClr val="000000"/>
+                          </a:solidFill>
+                          <a:effectLst/>
+                          <a:latin typeface="Verdana" panose="020B0604030504040204" pitchFamily="34" charset="0"/>
+                        </a:rPr>
+                        <a:t>4.000</a:t>
+                      </a:r>
+                    </a:p>
+                  </a:txBody>
+                  <a:tcPr marL="81462" marR="81462" marT="40731" marB="40731"/>
+                </a:tc>
+                <a:tc>
+                  <a:txBody>
+                    <a:bodyPr/>
+                    <a:lstStyle/>
+                    <a:p>
+                      <a:pPr algn="r" fontAlgn="t"/>
+                      <a:r>
+                        <a:rPr lang="en-US" sz="500" b="0" i="0">
+                          <a:solidFill>
+                            <a:srgbClr val="000000"/>
+                          </a:solidFill>
+                          <a:effectLst/>
+                          <a:latin typeface="Verdana" panose="020B0604030504040204" pitchFamily="34" charset="0"/>
+                        </a:rPr>
+                        <a:t>8.00</a:t>
+                      </a:r>
+                    </a:p>
+                  </a:txBody>
+                  <a:tcPr marL="81462" marR="81462" marT="40731" marB="40731"/>
+                </a:tc>
+                <a:tc>
+                  <a:txBody>
+                    <a:bodyPr/>
+                    <a:lstStyle/>
+                    <a:p>
+                      <a:pPr algn="l" fontAlgn="t"/>
+                      <a:r>
+                        <a:rPr lang="en-US" sz="500" b="0" i="0">
+                          <a:solidFill>
+                            <a:srgbClr val="000000"/>
+                          </a:solidFill>
+                          <a:effectLst/>
+                          <a:latin typeface="Verdana" panose="020B0604030504040204" pitchFamily="34" charset="0"/>
+                        </a:rPr>
+                        <a:t> </a:t>
+                      </a:r>
+                    </a:p>
+                  </a:txBody>
+                  <a:tcPr marL="81462" marR="81462" marT="40731" marB="40731"/>
+                </a:tc>
+                <a:tc>
+                  <a:txBody>
+                    <a:bodyPr/>
+                    <a:lstStyle/>
+                    <a:p>
+                      <a:pPr algn="l" fontAlgn="t"/>
+                      <a:r>
+                        <a:rPr lang="en-US" sz="500" b="0" i="0">
+                          <a:solidFill>
+                            <a:srgbClr val="000000"/>
+                          </a:solidFill>
+                          <a:effectLst/>
+                          <a:latin typeface="Verdana" panose="020B0604030504040204" pitchFamily="34" charset="0"/>
+                        </a:rPr>
+                        <a:t> </a:t>
+                      </a:r>
+                    </a:p>
+                  </a:txBody>
+                  <a:tcPr marL="81462" marR="81462" marT="40731" marB="40731"/>
+                </a:tc>
+                <a:tc>
+                  <a:txBody>
+                    <a:bodyPr/>
+                    <a:lstStyle/>
+                    <a:p>
+                      <a:pPr algn="l" fontAlgn="t"/>
+                      <a:r>
+                        <a:rPr lang="en-US" sz="500" b="0" i="0">
+                          <a:solidFill>
+                            <a:srgbClr val="000000"/>
+                          </a:solidFill>
+                          <a:effectLst/>
+                          <a:latin typeface="Verdana" panose="020B0604030504040204" pitchFamily="34" charset="0"/>
+                        </a:rPr>
+                        <a:t> </a:t>
+                      </a:r>
+                    </a:p>
+                  </a:txBody>
+                  <a:tcPr marL="81462" marR="81462" marT="40731" marB="40731"/>
+                </a:tc>
+                <a:extLst>
+                  <a:ext uri="{0D108BD9-81ED-4DB2-BD59-A6C34878D82A}">
+                    <a16:rowId xmlns:a16="http://schemas.microsoft.com/office/drawing/2014/main" val="3243859730"/>
+                  </a:ext>
+                </a:extLst>
+              </a:tr>
+              <a:tr h="330372">
+                <a:tc>
+                  <a:txBody>
+                    <a:bodyPr/>
+                    <a:lstStyle/>
+                    <a:p>
+                      <a:pPr algn="l" fontAlgn="t"/>
+                      <a:r>
+                        <a:rPr lang="en-US" sz="500" b="0" i="0">
+                          <a:solidFill>
+                            <a:srgbClr val="000000"/>
+                          </a:solidFill>
+                          <a:effectLst/>
+                          <a:latin typeface="Verdana" panose="020B0604030504040204" pitchFamily="34" charset="0"/>
+                        </a:rPr>
+                        <a:t>PHIL</a:t>
+                      </a:r>
+                    </a:p>
+                  </a:txBody>
+                  <a:tcPr marL="81462" marR="81462" marT="40731" marB="40731"/>
+                </a:tc>
+                <a:tc>
+                  <a:txBody>
+                    <a:bodyPr/>
+                    <a:lstStyle/>
+                    <a:p>
+                      <a:pPr algn="l" fontAlgn="t"/>
+                      <a:r>
+                        <a:rPr lang="en-US" sz="500" b="0" i="0">
+                          <a:solidFill>
+                            <a:srgbClr val="000000"/>
+                          </a:solidFill>
+                          <a:effectLst/>
+                          <a:latin typeface="Verdana" panose="020B0604030504040204" pitchFamily="34" charset="0"/>
+                        </a:rPr>
+                        <a:t>231</a:t>
+                      </a:r>
+                    </a:p>
+                  </a:txBody>
+                  <a:tcPr marL="81462" marR="81462" marT="40731" marB="40731"/>
+                </a:tc>
+                <a:tc>
+                  <a:txBody>
+                    <a:bodyPr/>
+                    <a:lstStyle/>
+                    <a:p>
+                      <a:pPr algn="l" fontAlgn="t"/>
+                      <a:r>
+                        <a:rPr lang="en-US" sz="500" b="0" i="0">
+                          <a:solidFill>
+                            <a:srgbClr val="000000"/>
+                          </a:solidFill>
+                          <a:effectLst/>
+                          <a:latin typeface="Verdana" panose="020B0604030504040204" pitchFamily="34" charset="0"/>
+                        </a:rPr>
+                        <a:t>01</a:t>
+                      </a:r>
+                    </a:p>
+                  </a:txBody>
+                  <a:tcPr marL="81462" marR="81462" marT="40731" marB="40731"/>
+                </a:tc>
+                <a:tc gridSpan="4">
+                  <a:txBody>
+                    <a:bodyPr/>
+                    <a:lstStyle/>
+                    <a:p>
+                      <a:pPr algn="l" fontAlgn="t"/>
+                      <a:r>
+                        <a:rPr lang="en-US" sz="500" b="0" i="0">
+                          <a:solidFill>
+                            <a:srgbClr val="000000"/>
+                          </a:solidFill>
+                          <a:effectLst/>
+                          <a:latin typeface="Verdana" panose="020B0604030504040204" pitchFamily="34" charset="0"/>
+                        </a:rPr>
+                        <a:t>WORKPLACE ETHICS</a:t>
+                      </a:r>
+                    </a:p>
+                  </a:txBody>
+                  <a:tcPr marL="81462" marR="81462" marT="40731" marB="40731"/>
+                </a:tc>
+                <a:tc hMerge="1">
+                  <a:txBody>
+                    <a:bodyPr/>
+                    <a:lstStyle/>
+                    <a:p>
+                      <a:endParaRPr lang="en-US"/>
+                    </a:p>
+                  </a:txBody>
+                  <a:tcPr/>
+                </a:tc>
+                <a:tc hMerge="1">
+                  <a:txBody>
+                    <a:bodyPr/>
+                    <a:lstStyle/>
+                    <a:p>
+                      <a:endParaRPr lang="en-US"/>
+                    </a:p>
+                  </a:txBody>
+                  <a:tcPr/>
+                </a:tc>
+                <a:tc hMerge="1">
+                  <a:txBody>
+                    <a:bodyPr/>
+                    <a:lstStyle/>
+                    <a:p>
+                      <a:endParaRPr lang="en-US"/>
+                    </a:p>
+                  </a:txBody>
+                  <a:tcPr/>
+                </a:tc>
+                <a:tc>
+                  <a:txBody>
+                    <a:bodyPr/>
+                    <a:lstStyle/>
+                    <a:p>
+                      <a:pPr algn="l" fontAlgn="t"/>
+                      <a:r>
+                        <a:rPr lang="en-US" sz="500" b="0" i="0" dirty="0">
+                          <a:solidFill>
+                            <a:srgbClr val="000000"/>
+                          </a:solidFill>
+                          <a:effectLst/>
+                          <a:latin typeface="Verdana" panose="020B0604030504040204" pitchFamily="34" charset="0"/>
+                        </a:rPr>
+                        <a:t>A</a:t>
+                      </a:r>
+                    </a:p>
+                  </a:txBody>
+                  <a:tcPr marL="81462" marR="81462" marT="40731" marB="40731"/>
+                </a:tc>
+                <a:tc>
+                  <a:txBody>
+                    <a:bodyPr/>
+                    <a:lstStyle/>
+                    <a:p>
+                      <a:pPr algn="r" fontAlgn="t"/>
+                      <a:r>
+                        <a:rPr lang="en-US" sz="500" b="0" i="0">
+                          <a:solidFill>
+                            <a:srgbClr val="000000"/>
+                          </a:solidFill>
+                          <a:effectLst/>
+                          <a:latin typeface="Verdana" panose="020B0604030504040204" pitchFamily="34" charset="0"/>
+                        </a:rPr>
+                        <a:t>3.000</a:t>
+                      </a:r>
+                    </a:p>
+                  </a:txBody>
+                  <a:tcPr marL="81462" marR="81462" marT="40731" marB="40731"/>
+                </a:tc>
+                <a:tc>
+                  <a:txBody>
+                    <a:bodyPr/>
+                    <a:lstStyle/>
+                    <a:p>
+                      <a:pPr algn="r" fontAlgn="t"/>
+                      <a:r>
+                        <a:rPr lang="en-US" sz="500" b="0" i="0">
+                          <a:solidFill>
+                            <a:srgbClr val="000000"/>
+                          </a:solidFill>
+                          <a:effectLst/>
+                          <a:latin typeface="Verdana" panose="020B0604030504040204" pitchFamily="34" charset="0"/>
+                        </a:rPr>
+                        <a:t>12.00</a:t>
+                      </a:r>
+                    </a:p>
+                  </a:txBody>
+                  <a:tcPr marL="81462" marR="81462" marT="40731" marB="40731"/>
+                </a:tc>
+                <a:tc>
+                  <a:txBody>
+                    <a:bodyPr/>
+                    <a:lstStyle/>
+                    <a:p>
+                      <a:pPr algn="l" fontAlgn="t"/>
+                      <a:r>
+                        <a:rPr lang="en-US" sz="500" b="0" i="0">
+                          <a:solidFill>
+                            <a:srgbClr val="000000"/>
+                          </a:solidFill>
+                          <a:effectLst/>
+                          <a:latin typeface="Verdana" panose="020B0604030504040204" pitchFamily="34" charset="0"/>
+                        </a:rPr>
+                        <a:t> </a:t>
+                      </a:r>
+                    </a:p>
+                  </a:txBody>
+                  <a:tcPr marL="81462" marR="81462" marT="40731" marB="40731"/>
+                </a:tc>
+                <a:tc>
+                  <a:txBody>
+                    <a:bodyPr/>
+                    <a:lstStyle/>
+                    <a:p>
+                      <a:pPr algn="l" fontAlgn="t"/>
+                      <a:r>
+                        <a:rPr lang="en-US" sz="500" b="0" i="0">
+                          <a:solidFill>
+                            <a:srgbClr val="000000"/>
+                          </a:solidFill>
+                          <a:effectLst/>
+                          <a:latin typeface="Verdana" panose="020B0604030504040204" pitchFamily="34" charset="0"/>
+                        </a:rPr>
+                        <a:t> </a:t>
+                      </a:r>
+                    </a:p>
+                  </a:txBody>
+                  <a:tcPr marL="81462" marR="81462" marT="40731" marB="40731"/>
+                </a:tc>
+                <a:tc>
+                  <a:txBody>
+                    <a:bodyPr/>
+                    <a:lstStyle/>
+                    <a:p>
+                      <a:pPr algn="l" fontAlgn="t"/>
+                      <a:r>
+                        <a:rPr lang="en-US" sz="500" b="0" i="0">
+                          <a:solidFill>
+                            <a:srgbClr val="000000"/>
+                          </a:solidFill>
+                          <a:effectLst/>
+                          <a:latin typeface="Verdana" panose="020B0604030504040204" pitchFamily="34" charset="0"/>
+                        </a:rPr>
+                        <a:t> </a:t>
+                      </a:r>
+                    </a:p>
+                  </a:txBody>
+                  <a:tcPr marL="81462" marR="81462" marT="40731" marB="40731"/>
+                </a:tc>
+                <a:extLst>
+                  <a:ext uri="{0D108BD9-81ED-4DB2-BD59-A6C34878D82A}">
+                    <a16:rowId xmlns:a16="http://schemas.microsoft.com/office/drawing/2014/main" val="718974557"/>
+                  </a:ext>
+                </a:extLst>
+              </a:tr>
+              <a:tr h="330372">
+                <a:tc>
+                  <a:txBody>
+                    <a:bodyPr/>
+                    <a:lstStyle/>
+                    <a:p>
+                      <a:pPr algn="l" fontAlgn="t"/>
+                      <a:r>
+                        <a:rPr lang="en-US" sz="500" b="0" i="0">
+                          <a:solidFill>
+                            <a:srgbClr val="000000"/>
+                          </a:solidFill>
+                          <a:effectLst/>
+                          <a:latin typeface="Verdana" panose="020B0604030504040204" pitchFamily="34" charset="0"/>
+                        </a:rPr>
+                        <a:t>SEC</a:t>
+                      </a:r>
+                    </a:p>
+                  </a:txBody>
+                  <a:tcPr marL="81462" marR="81462" marT="40731" marB="40731"/>
+                </a:tc>
+                <a:tc>
+                  <a:txBody>
+                    <a:bodyPr/>
+                    <a:lstStyle/>
+                    <a:p>
+                      <a:pPr algn="l" fontAlgn="t"/>
+                      <a:r>
+                        <a:rPr lang="en-US" sz="500" b="0" i="0">
+                          <a:solidFill>
+                            <a:srgbClr val="000000"/>
+                          </a:solidFill>
+                          <a:effectLst/>
+                          <a:latin typeface="Verdana" panose="020B0604030504040204" pitchFamily="34" charset="0"/>
+                        </a:rPr>
+                        <a:t>101</a:t>
+                      </a:r>
+                    </a:p>
+                  </a:txBody>
+                  <a:tcPr marL="81462" marR="81462" marT="40731" marB="40731"/>
+                </a:tc>
+                <a:tc>
+                  <a:txBody>
+                    <a:bodyPr/>
+                    <a:lstStyle/>
+                    <a:p>
+                      <a:pPr algn="l" fontAlgn="t"/>
+                      <a:r>
+                        <a:rPr lang="en-US" sz="500" b="0" i="0">
+                          <a:solidFill>
+                            <a:srgbClr val="000000"/>
+                          </a:solidFill>
+                          <a:effectLst/>
+                          <a:latin typeface="Verdana" panose="020B0604030504040204" pitchFamily="34" charset="0"/>
+                        </a:rPr>
+                        <a:t>01</a:t>
+                      </a:r>
+                    </a:p>
+                  </a:txBody>
+                  <a:tcPr marL="81462" marR="81462" marT="40731" marB="40731"/>
+                </a:tc>
+                <a:tc gridSpan="4">
+                  <a:txBody>
+                    <a:bodyPr/>
+                    <a:lstStyle/>
+                    <a:p>
+                      <a:pPr algn="l" fontAlgn="t"/>
+                      <a:r>
+                        <a:rPr lang="en-US" sz="500" b="0" i="0">
+                          <a:solidFill>
+                            <a:srgbClr val="000000"/>
+                          </a:solidFill>
+                          <a:effectLst/>
+                          <a:latin typeface="Verdana" panose="020B0604030504040204" pitchFamily="34" charset="0"/>
+                        </a:rPr>
+                        <a:t>SECURITY FUNDAMENTALS</a:t>
+                      </a:r>
+                    </a:p>
+                  </a:txBody>
+                  <a:tcPr marL="81462" marR="81462" marT="40731" marB="40731"/>
+                </a:tc>
+                <a:tc hMerge="1">
+                  <a:txBody>
+                    <a:bodyPr/>
+                    <a:lstStyle/>
+                    <a:p>
+                      <a:endParaRPr lang="en-US"/>
+                    </a:p>
+                  </a:txBody>
+                  <a:tcPr/>
+                </a:tc>
+                <a:tc hMerge="1">
+                  <a:txBody>
+                    <a:bodyPr/>
+                    <a:lstStyle/>
+                    <a:p>
+                      <a:endParaRPr lang="en-US"/>
+                    </a:p>
+                  </a:txBody>
+                  <a:tcPr/>
+                </a:tc>
+                <a:tc hMerge="1">
+                  <a:txBody>
+                    <a:bodyPr/>
+                    <a:lstStyle/>
+                    <a:p>
+                      <a:endParaRPr lang="en-US"/>
+                    </a:p>
+                  </a:txBody>
+                  <a:tcPr/>
+                </a:tc>
+                <a:tc>
+                  <a:txBody>
+                    <a:bodyPr/>
+                    <a:lstStyle/>
+                    <a:p>
+                      <a:pPr algn="l" fontAlgn="t"/>
+                      <a:r>
+                        <a:rPr lang="en-US" sz="500" b="0" i="0">
+                          <a:solidFill>
+                            <a:srgbClr val="000000"/>
+                          </a:solidFill>
+                          <a:effectLst/>
+                          <a:latin typeface="Verdana" panose="020B0604030504040204" pitchFamily="34" charset="0"/>
+                        </a:rPr>
+                        <a:t>B</a:t>
+                      </a:r>
+                    </a:p>
+                  </a:txBody>
+                  <a:tcPr marL="81462" marR="81462" marT="40731" marB="40731"/>
+                </a:tc>
+                <a:tc>
+                  <a:txBody>
+                    <a:bodyPr/>
+                    <a:lstStyle/>
+                    <a:p>
+                      <a:pPr algn="r" fontAlgn="t"/>
+                      <a:r>
+                        <a:rPr lang="en-US" sz="500" b="0" i="0">
+                          <a:solidFill>
+                            <a:srgbClr val="000000"/>
+                          </a:solidFill>
+                          <a:effectLst/>
+                          <a:latin typeface="Verdana" panose="020B0604030504040204" pitchFamily="34" charset="0"/>
+                        </a:rPr>
+                        <a:t>3.000</a:t>
+                      </a:r>
+                    </a:p>
+                  </a:txBody>
+                  <a:tcPr marL="81462" marR="81462" marT="40731" marB="40731"/>
+                </a:tc>
+                <a:tc>
+                  <a:txBody>
+                    <a:bodyPr/>
+                    <a:lstStyle/>
+                    <a:p>
+                      <a:pPr algn="r" fontAlgn="t"/>
+                      <a:r>
+                        <a:rPr lang="en-US" sz="500" b="0" i="0">
+                          <a:solidFill>
+                            <a:srgbClr val="000000"/>
+                          </a:solidFill>
+                          <a:effectLst/>
+                          <a:latin typeface="Verdana" panose="020B0604030504040204" pitchFamily="34" charset="0"/>
+                        </a:rPr>
+                        <a:t>9.00</a:t>
+                      </a:r>
+                    </a:p>
+                  </a:txBody>
+                  <a:tcPr marL="81462" marR="81462" marT="40731" marB="40731"/>
+                </a:tc>
+                <a:tc>
+                  <a:txBody>
+                    <a:bodyPr/>
+                    <a:lstStyle/>
+                    <a:p>
+                      <a:pPr algn="l" fontAlgn="t"/>
+                      <a:r>
+                        <a:rPr lang="en-US" sz="500" b="0" i="0">
+                          <a:solidFill>
+                            <a:srgbClr val="000000"/>
+                          </a:solidFill>
+                          <a:effectLst/>
+                          <a:latin typeface="Verdana" panose="020B0604030504040204" pitchFamily="34" charset="0"/>
+                        </a:rPr>
+                        <a:t> </a:t>
+                      </a:r>
+                    </a:p>
+                  </a:txBody>
+                  <a:tcPr marL="81462" marR="81462" marT="40731" marB="40731"/>
+                </a:tc>
+                <a:tc>
+                  <a:txBody>
+                    <a:bodyPr/>
+                    <a:lstStyle/>
+                    <a:p>
+                      <a:pPr algn="l" fontAlgn="t"/>
+                      <a:r>
+                        <a:rPr lang="en-US" sz="500" b="0" i="0" dirty="0">
+                          <a:solidFill>
+                            <a:srgbClr val="000000"/>
+                          </a:solidFill>
+                          <a:effectLst/>
+                          <a:latin typeface="Verdana" panose="020B0604030504040204" pitchFamily="34" charset="0"/>
+                        </a:rPr>
+                        <a:t> </a:t>
+                      </a:r>
+                    </a:p>
+                  </a:txBody>
+                  <a:tcPr marL="81462" marR="81462" marT="40731" marB="40731"/>
+                </a:tc>
+                <a:tc>
+                  <a:txBody>
+                    <a:bodyPr/>
+                    <a:lstStyle/>
+                    <a:p>
+                      <a:pPr algn="l" fontAlgn="t"/>
+                      <a:r>
+                        <a:rPr lang="en-US" sz="500" b="0" i="0">
+                          <a:solidFill>
+                            <a:srgbClr val="000000"/>
+                          </a:solidFill>
+                          <a:effectLst/>
+                          <a:latin typeface="Verdana" panose="020B0604030504040204" pitchFamily="34" charset="0"/>
+                        </a:rPr>
+                        <a:t> </a:t>
+                      </a:r>
+                    </a:p>
+                  </a:txBody>
+                  <a:tcPr marL="81462" marR="81462" marT="40731" marB="40731"/>
+                </a:tc>
+                <a:extLst>
+                  <a:ext uri="{0D108BD9-81ED-4DB2-BD59-A6C34878D82A}">
+                    <a16:rowId xmlns:a16="http://schemas.microsoft.com/office/drawing/2014/main" val="3305152906"/>
+                  </a:ext>
+                </a:extLst>
+              </a:tr>
+              <a:tr h="330372">
+                <a:tc gridSpan="12">
+                  <a:txBody>
+                    <a:bodyPr/>
+                    <a:lstStyle/>
+                    <a:p>
+                      <a:pPr algn="l" fontAlgn="t"/>
+                      <a:r>
+                        <a:rPr lang="en-US" sz="500" b="1" i="0" dirty="0">
+                          <a:solidFill>
+                            <a:srgbClr val="000000"/>
+                          </a:solidFill>
+                          <a:effectLst/>
+                          <a:latin typeface="Verdana" panose="020B0604030504040204" pitchFamily="34" charset="0"/>
+                        </a:rPr>
+                        <a:t>Term Totals (Undergraduate)</a:t>
+                      </a:r>
+                    </a:p>
+                  </a:txBody>
+                  <a:tcPr marL="81462" marR="81462" marT="40731" marB="40731"/>
+                </a:tc>
+                <a:tc hMerge="1">
+                  <a:txBody>
+                    <a:bodyPr/>
+                    <a:lstStyle/>
+                    <a:p>
+                      <a:endParaRPr lang="en-US"/>
+                    </a:p>
+                  </a:txBody>
+                  <a:tcPr/>
+                </a:tc>
+                <a:tc hMerge="1">
+                  <a:txBody>
+                    <a:bodyPr/>
+                    <a:lstStyle/>
+                    <a:p>
+                      <a:endParaRPr lang="en-US"/>
+                    </a:p>
+                  </a:txBody>
+                  <a:tcPr/>
+                </a:tc>
+                <a:tc hMerge="1">
+                  <a:txBody>
+                    <a:bodyPr/>
+                    <a:lstStyle/>
+                    <a:p>
+                      <a:endParaRPr lang="en-US"/>
+                    </a:p>
+                  </a:txBody>
+                  <a:tcPr/>
+                </a:tc>
+                <a:tc hMerge="1">
+                  <a:txBody>
+                    <a:bodyPr/>
+                    <a:lstStyle/>
+                    <a:p>
+                      <a:endParaRPr lang="en-US"/>
+                    </a:p>
+                  </a:txBody>
+                  <a:tcPr/>
+                </a:tc>
+                <a:tc hMerge="1">
+                  <a:txBody>
+                    <a:bodyPr/>
+                    <a:lstStyle/>
+                    <a:p>
+                      <a:endParaRPr lang="en-US"/>
+                    </a:p>
+                  </a:txBody>
+                  <a:tcPr/>
+                </a:tc>
+                <a:tc hMerge="1">
+                  <a:txBody>
+                    <a:bodyPr/>
+                    <a:lstStyle/>
+                    <a:p>
+                      <a:endParaRPr lang="en-US"/>
+                    </a:p>
+                  </a:txBody>
+                  <a:tcPr/>
+                </a:tc>
+                <a:tc hMerge="1">
+                  <a:txBody>
+                    <a:bodyPr/>
+                    <a:lstStyle/>
+                    <a:p>
+                      <a:endParaRPr lang="en-US"/>
+                    </a:p>
+                  </a:txBody>
+                  <a:tcPr/>
+                </a:tc>
+                <a:tc hMerge="1">
+                  <a:txBody>
+                    <a:bodyPr/>
+                    <a:lstStyle/>
+                    <a:p>
+                      <a:endParaRPr lang="en-US"/>
+                    </a:p>
+                  </a:txBody>
+                  <a:tcPr/>
+                </a:tc>
+                <a:tc hMerge="1">
+                  <a:txBody>
+                    <a:bodyPr/>
+                    <a:lstStyle/>
+                    <a:p>
+                      <a:endParaRPr lang="en-US"/>
+                    </a:p>
+                  </a:txBody>
+                  <a:tcPr/>
+                </a:tc>
+                <a:tc hMerge="1">
+                  <a:txBody>
+                    <a:bodyPr/>
+                    <a:lstStyle/>
+                    <a:p>
+                      <a:endParaRPr lang="en-US"/>
+                    </a:p>
+                  </a:txBody>
+                  <a:tcPr/>
+                </a:tc>
+                <a:tc hMerge="1">
+                  <a:txBody>
+                    <a:bodyPr/>
+                    <a:lstStyle/>
+                    <a:p>
+                      <a:endParaRPr lang="en-US"/>
+                    </a:p>
+                  </a:txBody>
+                  <a:tcPr/>
+                </a:tc>
+                <a:tc>
+                  <a:txBody>
+                    <a:bodyPr/>
+                    <a:lstStyle/>
+                    <a:p>
+                      <a:endParaRPr lang="en-US" sz="500"/>
+                    </a:p>
+                  </a:txBody>
+                  <a:tcPr marL="81462" marR="81462" marT="40731" marB="40731"/>
+                </a:tc>
+                <a:extLst>
+                  <a:ext uri="{0D108BD9-81ED-4DB2-BD59-A6C34878D82A}">
+                    <a16:rowId xmlns:a16="http://schemas.microsoft.com/office/drawing/2014/main" val="3335321354"/>
+                  </a:ext>
+                </a:extLst>
+              </a:tr>
+              <a:tr h="330372">
+                <a:tc gridSpan="5">
+                  <a:txBody>
+                    <a:bodyPr/>
+                    <a:lstStyle/>
+                    <a:p>
+                      <a:pPr algn="l" fontAlgn="t"/>
+                      <a:r>
+                        <a:rPr lang="en-US" sz="500" b="0" i="0">
+                          <a:solidFill>
+                            <a:srgbClr val="000000"/>
+                          </a:solidFill>
+                          <a:effectLst/>
+                          <a:latin typeface="Verdana" panose="020B0604030504040204" pitchFamily="34" charset="0"/>
+                        </a:rPr>
+                        <a:t> </a:t>
+                      </a:r>
+                    </a:p>
+                  </a:txBody>
+                  <a:tcPr marL="81462" marR="81462" marT="40731" marB="40731"/>
+                </a:tc>
+                <a:tc hMerge="1">
+                  <a:txBody>
+                    <a:bodyPr/>
+                    <a:lstStyle/>
+                    <a:p>
+                      <a:endParaRPr lang="en-US"/>
+                    </a:p>
+                  </a:txBody>
+                  <a:tcPr/>
+                </a:tc>
+                <a:tc hMerge="1">
+                  <a:txBody>
+                    <a:bodyPr/>
+                    <a:lstStyle/>
+                    <a:p>
+                      <a:endParaRPr lang="en-US"/>
+                    </a:p>
+                  </a:txBody>
+                  <a:tcPr/>
+                </a:tc>
+                <a:tc hMerge="1">
+                  <a:txBody>
+                    <a:bodyPr/>
+                    <a:lstStyle/>
+                    <a:p>
+                      <a:endParaRPr lang="en-US"/>
+                    </a:p>
+                  </a:txBody>
+                  <a:tcPr/>
+                </a:tc>
+                <a:tc hMerge="1">
+                  <a:txBody>
+                    <a:bodyPr/>
+                    <a:lstStyle/>
+                    <a:p>
+                      <a:endParaRPr lang="en-US"/>
+                    </a:p>
+                  </a:txBody>
+                  <a:tcPr/>
+                </a:tc>
+                <a:tc>
+                  <a:txBody>
+                    <a:bodyPr/>
+                    <a:lstStyle/>
+                    <a:p>
+                      <a:pPr algn="l" fontAlgn="t"/>
+                      <a:r>
+                        <a:rPr lang="en-US" sz="500" b="1" i="0">
+                          <a:solidFill>
+                            <a:srgbClr val="000000"/>
+                          </a:solidFill>
+                          <a:effectLst/>
+                          <a:latin typeface="Verdana" panose="020B0604030504040204" pitchFamily="34" charset="0"/>
+                        </a:rPr>
+                        <a:t>Attempt Hours</a:t>
+                      </a:r>
+                    </a:p>
+                  </a:txBody>
+                  <a:tcPr marL="81462" marR="81462" marT="40731" marB="40731"/>
+                </a:tc>
+                <a:tc>
+                  <a:txBody>
+                    <a:bodyPr/>
+                    <a:lstStyle/>
+                    <a:p>
+                      <a:pPr algn="l" fontAlgn="t"/>
+                      <a:r>
+                        <a:rPr lang="en-US" sz="500" b="1" i="0">
+                          <a:solidFill>
+                            <a:srgbClr val="000000"/>
+                          </a:solidFill>
+                          <a:effectLst/>
+                          <a:latin typeface="Verdana" panose="020B0604030504040204" pitchFamily="34" charset="0"/>
+                        </a:rPr>
+                        <a:t>Passed Hours</a:t>
+                      </a:r>
+                    </a:p>
+                  </a:txBody>
+                  <a:tcPr marL="81462" marR="81462" marT="40731" marB="40731"/>
+                </a:tc>
+                <a:tc>
+                  <a:txBody>
+                    <a:bodyPr/>
+                    <a:lstStyle/>
+                    <a:p>
+                      <a:pPr algn="l" fontAlgn="t"/>
+                      <a:r>
+                        <a:rPr lang="en-US" sz="500" b="1" i="0">
+                          <a:solidFill>
+                            <a:srgbClr val="000000"/>
+                          </a:solidFill>
+                          <a:effectLst/>
+                          <a:latin typeface="Verdana" panose="020B0604030504040204" pitchFamily="34" charset="0"/>
+                        </a:rPr>
+                        <a:t>Earned Hours</a:t>
+                      </a:r>
+                    </a:p>
+                  </a:txBody>
+                  <a:tcPr marL="81462" marR="81462" marT="40731" marB="40731"/>
+                </a:tc>
+                <a:tc>
+                  <a:txBody>
+                    <a:bodyPr/>
+                    <a:lstStyle/>
+                    <a:p>
+                      <a:pPr algn="l" fontAlgn="t"/>
+                      <a:r>
+                        <a:rPr lang="en-US" sz="500" b="1" i="0">
+                          <a:solidFill>
+                            <a:srgbClr val="000000"/>
+                          </a:solidFill>
+                          <a:effectLst/>
+                          <a:latin typeface="Verdana" panose="020B0604030504040204" pitchFamily="34" charset="0"/>
+                        </a:rPr>
+                        <a:t>GPA Hours</a:t>
+                      </a:r>
+                    </a:p>
+                  </a:txBody>
+                  <a:tcPr marL="81462" marR="81462" marT="40731" marB="40731"/>
+                </a:tc>
+                <a:tc>
+                  <a:txBody>
+                    <a:bodyPr/>
+                    <a:lstStyle/>
+                    <a:p>
+                      <a:pPr algn="l" fontAlgn="t"/>
+                      <a:r>
+                        <a:rPr lang="en-US" sz="500" b="1" i="0">
+                          <a:solidFill>
+                            <a:srgbClr val="000000"/>
+                          </a:solidFill>
+                          <a:effectLst/>
+                          <a:latin typeface="Verdana" panose="020B0604030504040204" pitchFamily="34" charset="0"/>
+                        </a:rPr>
+                        <a:t>Quality Points</a:t>
+                      </a:r>
+                    </a:p>
+                  </a:txBody>
+                  <a:tcPr marL="81462" marR="81462" marT="40731" marB="40731"/>
+                </a:tc>
+                <a:tc gridSpan="2">
+                  <a:txBody>
+                    <a:bodyPr/>
+                    <a:lstStyle/>
+                    <a:p>
+                      <a:pPr algn="l" fontAlgn="t"/>
+                      <a:r>
+                        <a:rPr lang="en-US" sz="500" b="1" i="0" dirty="0">
+                          <a:solidFill>
+                            <a:srgbClr val="000000"/>
+                          </a:solidFill>
+                          <a:effectLst/>
+                          <a:latin typeface="Verdana" panose="020B0604030504040204" pitchFamily="34" charset="0"/>
+                        </a:rPr>
+                        <a:t>GPA</a:t>
+                      </a:r>
+                    </a:p>
+                  </a:txBody>
+                  <a:tcPr marL="81462" marR="81462" marT="40731" marB="40731"/>
+                </a:tc>
+                <a:tc hMerge="1">
+                  <a:txBody>
+                    <a:bodyPr/>
+                    <a:lstStyle/>
+                    <a:p>
+                      <a:endParaRPr lang="en-US"/>
+                    </a:p>
+                  </a:txBody>
+                  <a:tcPr/>
+                </a:tc>
+                <a:tc>
+                  <a:txBody>
+                    <a:bodyPr/>
+                    <a:lstStyle/>
+                    <a:p>
+                      <a:endParaRPr lang="en-US" sz="500"/>
+                    </a:p>
+                  </a:txBody>
+                  <a:tcPr marL="81462" marR="81462" marT="40731" marB="40731"/>
+                </a:tc>
+                <a:extLst>
+                  <a:ext uri="{0D108BD9-81ED-4DB2-BD59-A6C34878D82A}">
+                    <a16:rowId xmlns:a16="http://schemas.microsoft.com/office/drawing/2014/main" val="1409770230"/>
+                  </a:ext>
+                </a:extLst>
+              </a:tr>
+              <a:tr h="330372">
+                <a:tc gridSpan="5">
+                  <a:txBody>
+                    <a:bodyPr/>
+                    <a:lstStyle/>
+                    <a:p>
+                      <a:pPr algn="l" fontAlgn="t"/>
+                      <a:r>
+                        <a:rPr lang="en-US" sz="500" b="1" i="0">
+                          <a:solidFill>
+                            <a:srgbClr val="000000"/>
+                          </a:solidFill>
+                          <a:effectLst/>
+                          <a:latin typeface="Verdana" panose="020B0604030504040204" pitchFamily="34" charset="0"/>
+                        </a:rPr>
+                        <a:t>Current Term:</a:t>
+                      </a:r>
+                    </a:p>
+                  </a:txBody>
+                  <a:tcPr marL="81462" marR="81462" marT="40731" marB="40731"/>
+                </a:tc>
+                <a:tc hMerge="1">
+                  <a:txBody>
+                    <a:bodyPr/>
+                    <a:lstStyle/>
+                    <a:p>
+                      <a:endParaRPr lang="en-US"/>
+                    </a:p>
+                  </a:txBody>
+                  <a:tcPr/>
+                </a:tc>
+                <a:tc hMerge="1">
+                  <a:txBody>
+                    <a:bodyPr/>
+                    <a:lstStyle/>
+                    <a:p>
+                      <a:endParaRPr lang="en-US"/>
+                    </a:p>
+                  </a:txBody>
+                  <a:tcPr/>
+                </a:tc>
+                <a:tc hMerge="1">
+                  <a:txBody>
+                    <a:bodyPr/>
+                    <a:lstStyle/>
+                    <a:p>
+                      <a:endParaRPr lang="en-US"/>
+                    </a:p>
+                  </a:txBody>
+                  <a:tcPr/>
+                </a:tc>
+                <a:tc hMerge="1">
+                  <a:txBody>
+                    <a:bodyPr/>
+                    <a:lstStyle/>
+                    <a:p>
+                      <a:endParaRPr lang="en-US"/>
+                    </a:p>
+                  </a:txBody>
+                  <a:tcPr/>
+                </a:tc>
+                <a:tc>
+                  <a:txBody>
+                    <a:bodyPr/>
+                    <a:lstStyle/>
+                    <a:p>
+                      <a:pPr algn="r" fontAlgn="t"/>
+                      <a:r>
+                        <a:rPr lang="en-US" sz="500" b="0" i="0" dirty="0">
+                          <a:solidFill>
+                            <a:srgbClr val="000000"/>
+                          </a:solidFill>
+                          <a:effectLst/>
+                          <a:latin typeface="Verdana" panose="020B0604030504040204" pitchFamily="34" charset="0"/>
+                        </a:rPr>
+                        <a:t>14.000</a:t>
+                      </a:r>
+                    </a:p>
+                  </a:txBody>
+                  <a:tcPr marL="81462" marR="81462" marT="40731" marB="40731"/>
+                </a:tc>
+                <a:tc>
+                  <a:txBody>
+                    <a:bodyPr/>
+                    <a:lstStyle/>
+                    <a:p>
+                      <a:pPr algn="r" fontAlgn="t"/>
+                      <a:r>
+                        <a:rPr lang="en-US" sz="500" b="0" i="0">
+                          <a:solidFill>
+                            <a:srgbClr val="000000"/>
+                          </a:solidFill>
+                          <a:effectLst/>
+                          <a:latin typeface="Verdana" panose="020B0604030504040204" pitchFamily="34" charset="0"/>
+                        </a:rPr>
+                        <a:t>14.000</a:t>
+                      </a:r>
+                    </a:p>
+                  </a:txBody>
+                  <a:tcPr marL="81462" marR="81462" marT="40731" marB="40731"/>
+                </a:tc>
+                <a:tc>
+                  <a:txBody>
+                    <a:bodyPr/>
+                    <a:lstStyle/>
+                    <a:p>
+                      <a:pPr algn="r" fontAlgn="t"/>
+                      <a:r>
+                        <a:rPr lang="en-US" sz="500" b="0" i="0">
+                          <a:solidFill>
+                            <a:srgbClr val="000000"/>
+                          </a:solidFill>
+                          <a:effectLst/>
+                          <a:latin typeface="Verdana" panose="020B0604030504040204" pitchFamily="34" charset="0"/>
+                        </a:rPr>
+                        <a:t>14.000</a:t>
+                      </a:r>
+                    </a:p>
+                  </a:txBody>
+                  <a:tcPr marL="81462" marR="81462" marT="40731" marB="40731"/>
+                </a:tc>
+                <a:tc>
+                  <a:txBody>
+                    <a:bodyPr/>
+                    <a:lstStyle/>
+                    <a:p>
+                      <a:pPr algn="r" fontAlgn="t"/>
+                      <a:r>
+                        <a:rPr lang="en-US" sz="500" b="0" i="0">
+                          <a:solidFill>
+                            <a:srgbClr val="000000"/>
+                          </a:solidFill>
+                          <a:effectLst/>
+                          <a:latin typeface="Verdana" panose="020B0604030504040204" pitchFamily="34" charset="0"/>
+                        </a:rPr>
+                        <a:t>14.000</a:t>
+                      </a:r>
+                    </a:p>
+                  </a:txBody>
+                  <a:tcPr marL="81462" marR="81462" marT="40731" marB="40731"/>
+                </a:tc>
+                <a:tc>
+                  <a:txBody>
+                    <a:bodyPr/>
+                    <a:lstStyle/>
+                    <a:p>
+                      <a:pPr algn="r" fontAlgn="t"/>
+                      <a:r>
+                        <a:rPr lang="en-US" sz="500" b="0" i="0">
+                          <a:solidFill>
+                            <a:srgbClr val="000000"/>
+                          </a:solidFill>
+                          <a:effectLst/>
+                          <a:latin typeface="Verdana" panose="020B0604030504040204" pitchFamily="34" charset="0"/>
+                        </a:rPr>
+                        <a:t>37.00</a:t>
+                      </a:r>
+                    </a:p>
+                  </a:txBody>
+                  <a:tcPr marL="81462" marR="81462" marT="40731" marB="40731"/>
+                </a:tc>
+                <a:tc gridSpan="2">
+                  <a:txBody>
+                    <a:bodyPr/>
+                    <a:lstStyle/>
+                    <a:p>
+                      <a:pPr algn="r" fontAlgn="t"/>
+                      <a:r>
+                        <a:rPr lang="en-US" sz="500" b="0" i="0" dirty="0">
+                          <a:solidFill>
+                            <a:srgbClr val="000000"/>
+                          </a:solidFill>
+                          <a:effectLst/>
+                          <a:latin typeface="Verdana" panose="020B0604030504040204" pitchFamily="34" charset="0"/>
+                        </a:rPr>
+                        <a:t>2.64</a:t>
+                      </a:r>
+                    </a:p>
+                  </a:txBody>
+                  <a:tcPr marL="81462" marR="81462" marT="40731" marB="40731"/>
+                </a:tc>
+                <a:tc hMerge="1">
+                  <a:txBody>
+                    <a:bodyPr/>
+                    <a:lstStyle/>
+                    <a:p>
+                      <a:endParaRPr lang="en-US"/>
+                    </a:p>
+                  </a:txBody>
+                  <a:tcPr/>
+                </a:tc>
+                <a:tc>
+                  <a:txBody>
+                    <a:bodyPr/>
+                    <a:lstStyle/>
+                    <a:p>
+                      <a:endParaRPr lang="en-US" sz="500"/>
+                    </a:p>
+                  </a:txBody>
+                  <a:tcPr marL="81462" marR="81462" marT="40731" marB="40731"/>
+                </a:tc>
+                <a:extLst>
+                  <a:ext uri="{0D108BD9-81ED-4DB2-BD59-A6C34878D82A}">
+                    <a16:rowId xmlns:a16="http://schemas.microsoft.com/office/drawing/2014/main" val="2160533786"/>
+                  </a:ext>
+                </a:extLst>
+              </a:tr>
+              <a:tr h="330372">
+                <a:tc gridSpan="5">
+                  <a:txBody>
+                    <a:bodyPr/>
+                    <a:lstStyle/>
+                    <a:p>
+                      <a:pPr algn="l" fontAlgn="t"/>
+                      <a:r>
+                        <a:rPr lang="en-US" sz="500" b="1" i="0">
+                          <a:solidFill>
+                            <a:srgbClr val="000000"/>
+                          </a:solidFill>
+                          <a:effectLst/>
+                          <a:latin typeface="Verdana" panose="020B0604030504040204" pitchFamily="34" charset="0"/>
+                        </a:rPr>
+                        <a:t>Cumulative:</a:t>
+                      </a:r>
+                    </a:p>
+                  </a:txBody>
+                  <a:tcPr marL="81462" marR="81462" marT="40731" marB="40731"/>
+                </a:tc>
+                <a:tc hMerge="1">
+                  <a:txBody>
+                    <a:bodyPr/>
+                    <a:lstStyle/>
+                    <a:p>
+                      <a:endParaRPr lang="en-US"/>
+                    </a:p>
+                  </a:txBody>
+                  <a:tcPr/>
+                </a:tc>
+                <a:tc hMerge="1">
+                  <a:txBody>
+                    <a:bodyPr/>
+                    <a:lstStyle/>
+                    <a:p>
+                      <a:endParaRPr lang="en-US"/>
+                    </a:p>
+                  </a:txBody>
+                  <a:tcPr/>
+                </a:tc>
+                <a:tc hMerge="1">
+                  <a:txBody>
+                    <a:bodyPr/>
+                    <a:lstStyle/>
+                    <a:p>
+                      <a:endParaRPr lang="en-US"/>
+                    </a:p>
+                  </a:txBody>
+                  <a:tcPr/>
+                </a:tc>
+                <a:tc hMerge="1">
+                  <a:txBody>
+                    <a:bodyPr/>
+                    <a:lstStyle/>
+                    <a:p>
+                      <a:endParaRPr lang="en-US"/>
+                    </a:p>
+                  </a:txBody>
+                  <a:tcPr/>
+                </a:tc>
+                <a:tc>
+                  <a:txBody>
+                    <a:bodyPr/>
+                    <a:lstStyle/>
+                    <a:p>
+                      <a:pPr algn="r" fontAlgn="t"/>
+                      <a:r>
+                        <a:rPr lang="en-US" sz="500" b="0" i="0">
+                          <a:solidFill>
+                            <a:srgbClr val="000000"/>
+                          </a:solidFill>
+                          <a:effectLst/>
+                          <a:latin typeface="Verdana" panose="020B0604030504040204" pitchFamily="34" charset="0"/>
+                        </a:rPr>
+                        <a:t>66.000</a:t>
+                      </a:r>
+                    </a:p>
+                  </a:txBody>
+                  <a:tcPr marL="81462" marR="81462" marT="40731" marB="40731"/>
+                </a:tc>
+                <a:tc>
+                  <a:txBody>
+                    <a:bodyPr/>
+                    <a:lstStyle/>
+                    <a:p>
+                      <a:pPr algn="r" fontAlgn="t"/>
+                      <a:r>
+                        <a:rPr lang="en-US" sz="500" b="0" i="0">
+                          <a:solidFill>
+                            <a:srgbClr val="000000"/>
+                          </a:solidFill>
+                          <a:effectLst/>
+                          <a:latin typeface="Verdana" panose="020B0604030504040204" pitchFamily="34" charset="0"/>
+                        </a:rPr>
+                        <a:t>66.000</a:t>
+                      </a:r>
+                    </a:p>
+                  </a:txBody>
+                  <a:tcPr marL="81462" marR="81462" marT="40731" marB="40731"/>
+                </a:tc>
+                <a:tc>
+                  <a:txBody>
+                    <a:bodyPr/>
+                    <a:lstStyle/>
+                    <a:p>
+                      <a:pPr algn="r" fontAlgn="t"/>
+                      <a:r>
+                        <a:rPr lang="en-US" sz="500" b="0" i="0">
+                          <a:solidFill>
+                            <a:srgbClr val="000000"/>
+                          </a:solidFill>
+                          <a:effectLst/>
+                          <a:latin typeface="Verdana" panose="020B0604030504040204" pitchFamily="34" charset="0"/>
+                        </a:rPr>
+                        <a:t>66.000</a:t>
+                      </a:r>
+                    </a:p>
+                  </a:txBody>
+                  <a:tcPr marL="81462" marR="81462" marT="40731" marB="40731"/>
+                </a:tc>
+                <a:tc>
+                  <a:txBody>
+                    <a:bodyPr/>
+                    <a:lstStyle/>
+                    <a:p>
+                      <a:pPr algn="r" fontAlgn="t"/>
+                      <a:r>
+                        <a:rPr lang="en-US" sz="500" b="0" i="0">
+                          <a:solidFill>
+                            <a:srgbClr val="000000"/>
+                          </a:solidFill>
+                          <a:effectLst/>
+                          <a:latin typeface="Verdana" panose="020B0604030504040204" pitchFamily="34" charset="0"/>
+                        </a:rPr>
+                        <a:t>66.000</a:t>
+                      </a:r>
+                    </a:p>
+                  </a:txBody>
+                  <a:tcPr marL="81462" marR="81462" marT="40731" marB="40731"/>
+                </a:tc>
+                <a:tc>
+                  <a:txBody>
+                    <a:bodyPr/>
+                    <a:lstStyle/>
+                    <a:p>
+                      <a:pPr algn="r" fontAlgn="t"/>
+                      <a:r>
+                        <a:rPr lang="en-US" sz="500" b="0" i="0">
+                          <a:solidFill>
+                            <a:srgbClr val="000000"/>
+                          </a:solidFill>
+                          <a:effectLst/>
+                          <a:latin typeface="Verdana" panose="020B0604030504040204" pitchFamily="34" charset="0"/>
+                        </a:rPr>
+                        <a:t>233.00</a:t>
+                      </a:r>
+                    </a:p>
+                  </a:txBody>
+                  <a:tcPr marL="81462" marR="81462" marT="40731" marB="40731"/>
+                </a:tc>
+                <a:tc gridSpan="2">
+                  <a:txBody>
+                    <a:bodyPr/>
+                    <a:lstStyle/>
+                    <a:p>
+                      <a:pPr algn="r" fontAlgn="t"/>
+                      <a:r>
+                        <a:rPr lang="en-US" sz="500" b="0" i="0" dirty="0">
+                          <a:solidFill>
+                            <a:srgbClr val="000000"/>
+                          </a:solidFill>
+                          <a:effectLst/>
+                          <a:latin typeface="Verdana" panose="020B0604030504040204" pitchFamily="34" charset="0"/>
+                        </a:rPr>
+                        <a:t>3.53</a:t>
+                      </a:r>
+                    </a:p>
+                  </a:txBody>
+                  <a:tcPr marL="81462" marR="81462" marT="40731" marB="40731"/>
+                </a:tc>
+                <a:tc hMerge="1">
+                  <a:txBody>
+                    <a:bodyPr/>
+                    <a:lstStyle/>
+                    <a:p>
+                      <a:endParaRPr lang="en-US"/>
+                    </a:p>
+                  </a:txBody>
+                  <a:tcPr/>
+                </a:tc>
+                <a:tc>
+                  <a:txBody>
+                    <a:bodyPr/>
+                    <a:lstStyle/>
+                    <a:p>
+                      <a:endParaRPr lang="en-US" sz="500" dirty="0"/>
+                    </a:p>
+                  </a:txBody>
+                  <a:tcPr marL="81462" marR="81462" marT="40731" marB="40731"/>
+                </a:tc>
+                <a:extLst>
+                  <a:ext uri="{0D108BD9-81ED-4DB2-BD59-A6C34878D82A}">
+                    <a16:rowId xmlns:a16="http://schemas.microsoft.com/office/drawing/2014/main" val="167567140"/>
+                  </a:ext>
+                </a:extLst>
+              </a:tr>
+            </a:tbl>
+          </a:graphicData>
+        </a:graphic>
+      </p:graphicFrame>
+      <p:graphicFrame>
+        <p:nvGraphicFramePr>
+          <p:cNvPr id="2" name="Table 1"/>
+          <p:cNvGraphicFramePr>
+            <a:graphicFrameLocks noGrp="1"/>
+          </p:cNvGraphicFramePr>
+          <p:nvPr>
+            <p:extLst>
+              <p:ext uri="{D42A27DB-BD31-4B8C-83A1-F6EECF244321}">
+                <p14:modId xmlns:p14="http://schemas.microsoft.com/office/powerpoint/2010/main" val="2511738832"/>
+              </p:ext>
+            </p:extLst>
+          </p:nvPr>
+        </p:nvGraphicFramePr>
+        <p:xfrm>
+          <a:off x="121718" y="1522208"/>
+          <a:ext cx="2313664" cy="4540576"/>
+        </p:xfrm>
+        <a:graphic>
+          <a:graphicData uri="http://schemas.openxmlformats.org/drawingml/2006/table">
+            <a:tbl>
+              <a:tblPr firstRow="1" bandRow="1">
+                <a:tableStyleId>{00A15C55-8517-42AA-B614-E9B94910E393}</a:tableStyleId>
+              </a:tblPr>
+              <a:tblGrid>
+                <a:gridCol w="1156832">
+                  <a:extLst>
+                    <a:ext uri="{9D8B030D-6E8A-4147-A177-3AD203B41FA5}">
+                      <a16:colId xmlns:a16="http://schemas.microsoft.com/office/drawing/2014/main" val="3008801708"/>
+                    </a:ext>
+                  </a:extLst>
+                </a:gridCol>
+                <a:gridCol w="1156832">
+                  <a:extLst>
+                    <a:ext uri="{9D8B030D-6E8A-4147-A177-3AD203B41FA5}">
+                      <a16:colId xmlns:a16="http://schemas.microsoft.com/office/drawing/2014/main" val="3256856216"/>
+                    </a:ext>
+                  </a:extLst>
+                </a:gridCol>
+              </a:tblGrid>
+              <a:tr h="449157">
+                <a:tc gridSpan="2">
+                  <a:txBody>
+                    <a:bodyPr/>
+                    <a:lstStyle/>
+                    <a:p>
+                      <a:r>
+                        <a:rPr lang="en-US" sz="1000" dirty="0" smtClean="0"/>
+                        <a:t>Current Student Information</a:t>
+                      </a:r>
+                      <a:endParaRPr lang="en-US" sz="1000" dirty="0"/>
+                    </a:p>
+                  </a:txBody>
+                  <a:tcPr anchor="ctr"/>
+                </a:tc>
+                <a:tc hMerge="1">
+                  <a:txBody>
+                    <a:bodyPr/>
+                    <a:lstStyle/>
+                    <a:p>
+                      <a:endParaRPr lang="en-US"/>
+                    </a:p>
+                  </a:txBody>
+                  <a:tcPr/>
+                </a:tc>
+                <a:extLst>
+                  <a:ext uri="{0D108BD9-81ED-4DB2-BD59-A6C34878D82A}">
+                    <a16:rowId xmlns:a16="http://schemas.microsoft.com/office/drawing/2014/main" val="2797957085"/>
+                  </a:ext>
+                </a:extLst>
+              </a:tr>
+              <a:tr h="449157">
+                <a:tc>
+                  <a:txBody>
+                    <a:bodyPr/>
+                    <a:lstStyle/>
+                    <a:p>
+                      <a:pPr algn="l" fontAlgn="t"/>
+                      <a:r>
+                        <a:rPr lang="en-US" sz="1000" dirty="0">
+                          <a:effectLst/>
+                        </a:rPr>
+                        <a:t>Registered for Term:</a:t>
+                      </a:r>
+                      <a:endParaRPr lang="en-US" sz="1000" b="1" i="0" dirty="0">
+                        <a:solidFill>
+                          <a:srgbClr val="000000"/>
+                        </a:solidFill>
+                        <a:effectLst/>
+                        <a:latin typeface="Verdana" panose="020B0604030504040204" pitchFamily="34" charset="0"/>
+                      </a:endParaRPr>
+                    </a:p>
+                  </a:txBody>
+                  <a:tcPr/>
+                </a:tc>
+                <a:tc>
+                  <a:txBody>
+                    <a:bodyPr/>
+                    <a:lstStyle/>
+                    <a:p>
+                      <a:pPr algn="l" fontAlgn="t"/>
+                      <a:r>
+                        <a:rPr lang="en-US" sz="1000" dirty="0">
+                          <a:effectLst/>
+                        </a:rPr>
+                        <a:t>Yes</a:t>
+                      </a:r>
+                      <a:endParaRPr lang="en-US" sz="1000" b="0" i="0" dirty="0">
+                        <a:solidFill>
+                          <a:srgbClr val="000000"/>
+                        </a:solidFill>
+                        <a:effectLst/>
+                        <a:latin typeface="Verdana" panose="020B0604030504040204" pitchFamily="34" charset="0"/>
+                      </a:endParaRPr>
+                    </a:p>
+                  </a:txBody>
+                  <a:tcPr/>
+                </a:tc>
+                <a:extLst>
+                  <a:ext uri="{0D108BD9-81ED-4DB2-BD59-A6C34878D82A}">
+                    <a16:rowId xmlns:a16="http://schemas.microsoft.com/office/drawing/2014/main" val="3824632969"/>
+                  </a:ext>
+                </a:extLst>
+              </a:tr>
+              <a:tr h="449157">
+                <a:tc>
+                  <a:txBody>
+                    <a:bodyPr/>
+                    <a:lstStyle/>
+                    <a:p>
+                      <a:pPr algn="l" fontAlgn="t"/>
+                      <a:r>
+                        <a:rPr lang="en-US" sz="1000">
+                          <a:effectLst/>
+                        </a:rPr>
+                        <a:t>First Term Attended:</a:t>
+                      </a:r>
+                      <a:endParaRPr lang="en-US" sz="1000" b="1" i="0">
+                        <a:solidFill>
+                          <a:srgbClr val="000000"/>
+                        </a:solidFill>
+                        <a:effectLst/>
+                        <a:latin typeface="Verdana" panose="020B0604030504040204" pitchFamily="34" charset="0"/>
+                      </a:endParaRPr>
+                    </a:p>
+                  </a:txBody>
+                  <a:tcPr/>
+                </a:tc>
+                <a:tc>
+                  <a:txBody>
+                    <a:bodyPr/>
+                    <a:lstStyle/>
+                    <a:p>
+                      <a:pPr algn="l" fontAlgn="t"/>
+                      <a:r>
+                        <a:rPr lang="en-US" sz="1000" dirty="0">
+                          <a:effectLst/>
+                        </a:rPr>
+                        <a:t>Fall 2010</a:t>
+                      </a:r>
+                      <a:endParaRPr lang="en-US" sz="1000" b="0" i="0" dirty="0">
+                        <a:solidFill>
+                          <a:srgbClr val="000000"/>
+                        </a:solidFill>
+                        <a:effectLst/>
+                        <a:latin typeface="Verdana" panose="020B0604030504040204" pitchFamily="34" charset="0"/>
+                      </a:endParaRPr>
+                    </a:p>
+                  </a:txBody>
+                  <a:tcPr/>
+                </a:tc>
+                <a:extLst>
+                  <a:ext uri="{0D108BD9-81ED-4DB2-BD59-A6C34878D82A}">
+                    <a16:rowId xmlns:a16="http://schemas.microsoft.com/office/drawing/2014/main" val="3621613033"/>
+                  </a:ext>
+                </a:extLst>
+              </a:tr>
+              <a:tr h="449157">
+                <a:tc>
+                  <a:txBody>
+                    <a:bodyPr/>
+                    <a:lstStyle/>
+                    <a:p>
+                      <a:pPr algn="l" fontAlgn="t"/>
+                      <a:r>
+                        <a:rPr lang="en-US" sz="1000">
+                          <a:effectLst/>
+                        </a:rPr>
+                        <a:t>Last Term Attended:</a:t>
+                      </a:r>
+                      <a:endParaRPr lang="en-US" sz="1000" b="1" i="0">
+                        <a:solidFill>
+                          <a:srgbClr val="000000"/>
+                        </a:solidFill>
+                        <a:effectLst/>
+                        <a:latin typeface="Verdana" panose="020B0604030504040204" pitchFamily="34" charset="0"/>
+                      </a:endParaRPr>
+                    </a:p>
+                  </a:txBody>
+                  <a:tcPr/>
+                </a:tc>
+                <a:tc>
+                  <a:txBody>
+                    <a:bodyPr/>
+                    <a:lstStyle/>
+                    <a:p>
+                      <a:pPr algn="l" fontAlgn="t"/>
+                      <a:r>
+                        <a:rPr lang="en-US" sz="1000">
+                          <a:effectLst/>
+                        </a:rPr>
+                        <a:t>Spring 2017</a:t>
+                      </a:r>
+                      <a:endParaRPr lang="en-US" sz="1000" b="0" i="0">
+                        <a:solidFill>
+                          <a:srgbClr val="000000"/>
+                        </a:solidFill>
+                        <a:effectLst/>
+                        <a:latin typeface="Verdana" panose="020B0604030504040204" pitchFamily="34" charset="0"/>
+                      </a:endParaRPr>
+                    </a:p>
+                  </a:txBody>
+                  <a:tcPr/>
+                </a:tc>
+                <a:extLst>
+                  <a:ext uri="{0D108BD9-81ED-4DB2-BD59-A6C34878D82A}">
+                    <a16:rowId xmlns:a16="http://schemas.microsoft.com/office/drawing/2014/main" val="2539946295"/>
+                  </a:ext>
+                </a:extLst>
+              </a:tr>
+              <a:tr h="276404">
+                <a:tc>
+                  <a:txBody>
+                    <a:bodyPr/>
+                    <a:lstStyle/>
+                    <a:p>
+                      <a:pPr algn="l" fontAlgn="t"/>
+                      <a:r>
+                        <a:rPr lang="en-US" sz="1000">
+                          <a:effectLst/>
+                        </a:rPr>
+                        <a:t>Status:</a:t>
+                      </a:r>
+                      <a:endParaRPr lang="en-US" sz="1000" b="1" i="0">
+                        <a:solidFill>
+                          <a:srgbClr val="000000"/>
+                        </a:solidFill>
+                        <a:effectLst/>
+                        <a:latin typeface="Verdana" panose="020B0604030504040204" pitchFamily="34" charset="0"/>
+                      </a:endParaRPr>
+                    </a:p>
+                  </a:txBody>
+                  <a:tcPr/>
+                </a:tc>
+                <a:tc>
+                  <a:txBody>
+                    <a:bodyPr/>
+                    <a:lstStyle/>
+                    <a:p>
+                      <a:pPr algn="l" fontAlgn="t"/>
+                      <a:r>
+                        <a:rPr lang="en-US" sz="1000">
+                          <a:effectLst/>
+                        </a:rPr>
+                        <a:t>Active student</a:t>
+                      </a:r>
+                      <a:endParaRPr lang="en-US" sz="1000" b="0" i="0">
+                        <a:solidFill>
+                          <a:srgbClr val="000000"/>
+                        </a:solidFill>
+                        <a:effectLst/>
+                        <a:latin typeface="Verdana" panose="020B0604030504040204" pitchFamily="34" charset="0"/>
+                      </a:endParaRPr>
+                    </a:p>
+                  </a:txBody>
+                  <a:tcPr/>
+                </a:tc>
+                <a:extLst>
+                  <a:ext uri="{0D108BD9-81ED-4DB2-BD59-A6C34878D82A}">
+                    <a16:rowId xmlns:a16="http://schemas.microsoft.com/office/drawing/2014/main" val="2643600693"/>
+                  </a:ext>
+                </a:extLst>
+              </a:tr>
+              <a:tr h="449157">
+                <a:tc>
+                  <a:txBody>
+                    <a:bodyPr/>
+                    <a:lstStyle/>
+                    <a:p>
+                      <a:pPr algn="l" fontAlgn="t"/>
+                      <a:r>
+                        <a:rPr lang="en-US" sz="1000">
+                          <a:effectLst/>
+                        </a:rPr>
+                        <a:t>Residence:</a:t>
+                      </a:r>
+                      <a:endParaRPr lang="en-US" sz="1000" b="1" i="0">
+                        <a:solidFill>
+                          <a:srgbClr val="000000"/>
+                        </a:solidFill>
+                        <a:effectLst/>
+                        <a:latin typeface="Verdana" panose="020B0604030504040204" pitchFamily="34" charset="0"/>
+                      </a:endParaRPr>
+                    </a:p>
+                  </a:txBody>
+                  <a:tcPr/>
+                </a:tc>
+                <a:tc>
+                  <a:txBody>
+                    <a:bodyPr/>
+                    <a:lstStyle/>
+                    <a:p>
+                      <a:pPr algn="l" fontAlgn="t"/>
+                      <a:r>
+                        <a:rPr lang="en-US" sz="1000">
+                          <a:effectLst/>
+                        </a:rPr>
+                        <a:t>In-State Resident</a:t>
+                      </a:r>
+                      <a:endParaRPr lang="en-US" sz="1000" b="0" i="0">
+                        <a:solidFill>
+                          <a:srgbClr val="000000"/>
+                        </a:solidFill>
+                        <a:effectLst/>
+                        <a:latin typeface="Verdana" panose="020B0604030504040204" pitchFamily="34" charset="0"/>
+                      </a:endParaRPr>
+                    </a:p>
+                  </a:txBody>
+                  <a:tcPr/>
+                </a:tc>
+                <a:extLst>
+                  <a:ext uri="{0D108BD9-81ED-4DB2-BD59-A6C34878D82A}">
+                    <a16:rowId xmlns:a16="http://schemas.microsoft.com/office/drawing/2014/main" val="2034742950"/>
+                  </a:ext>
+                </a:extLst>
+              </a:tr>
+              <a:tr h="276404">
+                <a:tc>
+                  <a:txBody>
+                    <a:bodyPr/>
+                    <a:lstStyle/>
+                    <a:p>
+                      <a:pPr algn="l" fontAlgn="t"/>
+                      <a:r>
+                        <a:rPr lang="en-US" sz="1000">
+                          <a:effectLst/>
+                        </a:rPr>
+                        <a:t>Citizenship:</a:t>
+                      </a:r>
+                      <a:endParaRPr lang="en-US" sz="1000" b="1" i="0">
+                        <a:solidFill>
+                          <a:srgbClr val="000000"/>
+                        </a:solidFill>
+                        <a:effectLst/>
+                        <a:latin typeface="Verdana" panose="020B0604030504040204" pitchFamily="34" charset="0"/>
+                      </a:endParaRPr>
+                    </a:p>
+                  </a:txBody>
+                  <a:tcPr/>
+                </a:tc>
+                <a:tc>
+                  <a:txBody>
+                    <a:bodyPr/>
+                    <a:lstStyle/>
+                    <a:p>
+                      <a:pPr algn="l" fontAlgn="t"/>
+                      <a:r>
+                        <a:rPr lang="en-US" sz="1000">
+                          <a:effectLst/>
+                        </a:rPr>
+                        <a:t>Citizen</a:t>
+                      </a:r>
+                      <a:endParaRPr lang="en-US" sz="1000" b="0" i="0">
+                        <a:solidFill>
+                          <a:srgbClr val="000000"/>
+                        </a:solidFill>
+                        <a:effectLst/>
+                        <a:latin typeface="Verdana" panose="020B0604030504040204" pitchFamily="34" charset="0"/>
+                      </a:endParaRPr>
+                    </a:p>
+                  </a:txBody>
+                  <a:tcPr/>
+                </a:tc>
+                <a:extLst>
+                  <a:ext uri="{0D108BD9-81ED-4DB2-BD59-A6C34878D82A}">
+                    <a16:rowId xmlns:a16="http://schemas.microsoft.com/office/drawing/2014/main" val="1914847145"/>
+                  </a:ext>
+                </a:extLst>
+              </a:tr>
+              <a:tr h="394512">
+                <a:tc>
+                  <a:txBody>
+                    <a:bodyPr/>
+                    <a:lstStyle/>
+                    <a:p>
+                      <a:pPr algn="l" fontAlgn="t"/>
+                      <a:r>
+                        <a:rPr lang="en-US" sz="1000">
+                          <a:effectLst/>
+                        </a:rPr>
+                        <a:t>Student Type:</a:t>
+                      </a:r>
+                      <a:endParaRPr lang="en-US" sz="1000" b="1" i="0">
+                        <a:solidFill>
+                          <a:srgbClr val="000000"/>
+                        </a:solidFill>
+                        <a:effectLst/>
+                        <a:latin typeface="Verdana" panose="020B0604030504040204" pitchFamily="34" charset="0"/>
+                      </a:endParaRPr>
+                    </a:p>
+                  </a:txBody>
+                  <a:tcPr/>
+                </a:tc>
+                <a:tc>
+                  <a:txBody>
+                    <a:bodyPr/>
+                    <a:lstStyle/>
+                    <a:p>
+                      <a:pPr algn="l" fontAlgn="t"/>
+                      <a:r>
+                        <a:rPr lang="en-US" sz="1000">
+                          <a:effectLst/>
+                        </a:rPr>
+                        <a:t>Continuing</a:t>
+                      </a:r>
+                      <a:endParaRPr lang="en-US" sz="1000" b="0" i="0">
+                        <a:solidFill>
+                          <a:srgbClr val="000000"/>
+                        </a:solidFill>
+                        <a:effectLst/>
+                        <a:latin typeface="Verdana" panose="020B0604030504040204" pitchFamily="34" charset="0"/>
+                      </a:endParaRPr>
+                    </a:p>
+                  </a:txBody>
+                  <a:tcPr/>
+                </a:tc>
+                <a:extLst>
+                  <a:ext uri="{0D108BD9-81ED-4DB2-BD59-A6C34878D82A}">
+                    <a16:rowId xmlns:a16="http://schemas.microsoft.com/office/drawing/2014/main" val="993685542"/>
+                  </a:ext>
+                </a:extLst>
+              </a:tr>
+              <a:tr h="276404">
+                <a:tc>
+                  <a:txBody>
+                    <a:bodyPr/>
+                    <a:lstStyle/>
+                    <a:p>
+                      <a:pPr algn="l" fontAlgn="t"/>
+                      <a:r>
+                        <a:rPr lang="en-US" sz="1000">
+                          <a:effectLst/>
+                        </a:rPr>
+                        <a:t>Class:</a:t>
+                      </a:r>
+                      <a:endParaRPr lang="en-US" sz="1000" b="1" i="0">
+                        <a:solidFill>
+                          <a:srgbClr val="000000"/>
+                        </a:solidFill>
+                        <a:effectLst/>
+                        <a:latin typeface="Verdana" panose="020B0604030504040204" pitchFamily="34" charset="0"/>
+                      </a:endParaRPr>
+                    </a:p>
+                  </a:txBody>
+                  <a:tcPr/>
+                </a:tc>
+                <a:tc>
+                  <a:txBody>
+                    <a:bodyPr/>
+                    <a:lstStyle/>
+                    <a:p>
+                      <a:pPr algn="l" fontAlgn="t"/>
+                      <a:r>
+                        <a:rPr lang="en-US" sz="1000">
+                          <a:effectLst/>
+                        </a:rPr>
+                        <a:t>Senior</a:t>
+                      </a:r>
+                      <a:endParaRPr lang="en-US" sz="1000" b="0" i="0">
+                        <a:solidFill>
+                          <a:srgbClr val="000000"/>
+                        </a:solidFill>
+                        <a:effectLst/>
+                        <a:latin typeface="Verdana" panose="020B0604030504040204" pitchFamily="34" charset="0"/>
+                      </a:endParaRPr>
+                    </a:p>
+                  </a:txBody>
+                  <a:tcPr/>
+                </a:tc>
+                <a:extLst>
+                  <a:ext uri="{0D108BD9-81ED-4DB2-BD59-A6C34878D82A}">
+                    <a16:rowId xmlns:a16="http://schemas.microsoft.com/office/drawing/2014/main" val="4191742196"/>
+                  </a:ext>
+                </a:extLst>
+              </a:tr>
+              <a:tr h="449157">
+                <a:tc>
+                  <a:txBody>
+                    <a:bodyPr/>
+                    <a:lstStyle/>
+                    <a:p>
+                      <a:pPr algn="l" fontAlgn="t"/>
+                      <a:r>
+                        <a:rPr lang="en-US" sz="1000">
+                          <a:effectLst/>
+                        </a:rPr>
+                        <a:t>Primary Advisor:</a:t>
+                      </a:r>
+                      <a:endParaRPr lang="en-US" sz="1000" b="1" i="0">
+                        <a:solidFill>
+                          <a:srgbClr val="000000"/>
+                        </a:solidFill>
+                        <a:effectLst/>
+                        <a:latin typeface="Verdana" panose="020B0604030504040204" pitchFamily="34" charset="0"/>
+                      </a:endParaRPr>
+                    </a:p>
+                  </a:txBody>
+                  <a:tcPr/>
+                </a:tc>
+                <a:tc>
+                  <a:txBody>
+                    <a:bodyPr/>
+                    <a:lstStyle/>
+                    <a:p>
+                      <a:pPr algn="l" fontAlgn="t"/>
+                      <a:r>
+                        <a:rPr lang="en-US" sz="1000">
+                          <a:effectLst/>
+                        </a:rPr>
+                        <a:t>Charles W. Almond</a:t>
+                      </a:r>
+                      <a:endParaRPr lang="en-US" sz="1000" b="0" i="0">
+                        <a:solidFill>
+                          <a:srgbClr val="000000"/>
+                        </a:solidFill>
+                        <a:effectLst/>
+                        <a:latin typeface="Verdana" panose="020B0604030504040204" pitchFamily="34" charset="0"/>
+                      </a:endParaRPr>
+                    </a:p>
+                  </a:txBody>
+                  <a:tcPr/>
+                </a:tc>
+                <a:extLst>
+                  <a:ext uri="{0D108BD9-81ED-4DB2-BD59-A6C34878D82A}">
+                    <a16:rowId xmlns:a16="http://schemas.microsoft.com/office/drawing/2014/main" val="2383019760"/>
+                  </a:ext>
+                </a:extLst>
+              </a:tr>
+              <a:tr h="621910">
+                <a:tc>
+                  <a:txBody>
+                    <a:bodyPr/>
+                    <a:lstStyle/>
+                    <a:p>
+                      <a:pPr algn="l" fontAlgn="t"/>
+                      <a:r>
+                        <a:rPr lang="en-US" sz="1000" dirty="0">
+                          <a:effectLst/>
+                        </a:rPr>
+                        <a:t>Expected Graduation Date:</a:t>
+                      </a:r>
+                      <a:endParaRPr lang="en-US" sz="1000" b="1" i="0" dirty="0">
+                        <a:solidFill>
+                          <a:srgbClr val="000000"/>
+                        </a:solidFill>
+                        <a:effectLst/>
+                        <a:latin typeface="Verdana" panose="020B0604030504040204" pitchFamily="34" charset="0"/>
+                      </a:endParaRPr>
+                    </a:p>
+                  </a:txBody>
+                  <a:tcPr/>
+                </a:tc>
+                <a:tc>
+                  <a:txBody>
+                    <a:bodyPr/>
+                    <a:lstStyle/>
+                    <a:p>
+                      <a:pPr algn="l" fontAlgn="t"/>
+                      <a:r>
+                        <a:rPr lang="en-US" sz="1000" dirty="0">
+                          <a:effectLst/>
+                        </a:rPr>
+                        <a:t>08/03/2018</a:t>
+                      </a:r>
+                      <a:endParaRPr lang="en-US" sz="1000" b="0" i="0" dirty="0">
+                        <a:solidFill>
+                          <a:srgbClr val="000000"/>
+                        </a:solidFill>
+                        <a:effectLst/>
+                        <a:latin typeface="Verdana" panose="020B0604030504040204" pitchFamily="34" charset="0"/>
+                      </a:endParaRPr>
+                    </a:p>
+                  </a:txBody>
+                  <a:tcPr/>
+                </a:tc>
+                <a:extLst>
+                  <a:ext uri="{0D108BD9-81ED-4DB2-BD59-A6C34878D82A}">
+                    <a16:rowId xmlns:a16="http://schemas.microsoft.com/office/drawing/2014/main" val="3928056217"/>
+                  </a:ext>
+                </a:extLst>
+              </a:tr>
+            </a:tbl>
+          </a:graphicData>
+        </a:graphic>
+      </p:graphicFrame>
+    </p:spTree>
+    <p:extLst>
+      <p:ext uri="{BB962C8B-B14F-4D97-AF65-F5344CB8AC3E}">
+        <p14:creationId xmlns:p14="http://schemas.microsoft.com/office/powerpoint/2010/main" val="1438336161"/>
+      </p:ext>
+    </p:extLst>
+  </p:cSld>
+  <p:clrMapOvr>
+    <a:masterClrMapping/>
+  </p:clrMapOvr>
+  <p:timing>
+    <p:tnLst>
+      <p:par>
+        <p:cTn id="1" dur="indefinite" restart="never" nodeType="tmRoot"/>
+      </p:par>
+    </p:tnLst>
+  </p:timing>
+</p:sld>
+</file>
+
+<file path=ppt/slides/slide6.xml><?xml version="1.0" encoding="utf-8"?>
 <p:sld xmlns:a="http://schemas.openxmlformats.org/drawingml/2006/main" xmlns:r="http://schemas.openxmlformats.org/officeDocument/2006/relationships" xmlns:p="http://schemas.openxmlformats.org/presentationml/2006/main">
   <p:cSld>
     <p:spTree>
@@ -7527,13 +10669,6 @@
               </a:rPr>
               <a:t>Submit Changes</a:t>
             </a:r>
-            <a:endParaRPr lang="en-US" sz="1200" dirty="0" smtClean="0">
-              <a:solidFill>
-                <a:srgbClr val="000000"/>
-              </a:solidFill>
-              <a:latin typeface="Segoe UI" pitchFamily="34" charset="0"/>
-              <a:cs typeface="Segoe UI" pitchFamily="34" charset="0"/>
-            </a:endParaRPr>
           </a:p>
         </p:txBody>
       </p:sp>
@@ -8579,7 +11714,7 @@
 </p:sld>
 </file>
 
-<file path=ppt/slides/slide6.xml><?xml version="1.0" encoding="utf-8"?>
+<file path=ppt/slides/slide7.xml><?xml version="1.0" encoding="utf-8"?>
 <p:sld xmlns:a="http://schemas.openxmlformats.org/drawingml/2006/main" xmlns:r="http://schemas.openxmlformats.org/officeDocument/2006/relationships" xmlns:p="http://schemas.openxmlformats.org/presentationml/2006/main">
   <p:cSld>
     <p:spTree>
@@ -8732,7 +11867,7 @@
 </p:sld>
 </file>
 
-<file path=ppt/slides/slide7.xml><?xml version="1.0" encoding="utf-8"?>
+<file path=ppt/slides/slide8.xml><?xml version="1.0" encoding="utf-8"?>
 <p:sld xmlns:a="http://schemas.openxmlformats.org/drawingml/2006/main" xmlns:r="http://schemas.openxmlformats.org/officeDocument/2006/relationships" xmlns:p="http://schemas.openxmlformats.org/presentationml/2006/main">
   <p:cSld>
     <p:spTree>
@@ -8930,7 +12065,7 @@
 </p:sld>
 </file>
 
-<file path=ppt/slides/slide8.xml><?xml version="1.0" encoding="utf-8"?>
+<file path=ppt/slides/slide9.xml><?xml version="1.0" encoding="utf-8"?>
 <p:sld xmlns:a="http://schemas.openxmlformats.org/drawingml/2006/main" xmlns:r="http://schemas.openxmlformats.org/officeDocument/2006/relationships" xmlns:p="http://schemas.openxmlformats.org/presentationml/2006/main">
   <p:cSld>
     <p:spTree>
@@ -9577,37 +12712,37 @@
 
 <file path=customXml/item10.xml><?xml version="1.0" encoding="utf-8"?>
 <Control xmlns="http://schemas.microsoft.com/VisualStudio/2011/storyboarding/control">
-  <Id Name="System.Storyboarding.Common.SearchBox" Revision="1" Stencil="System.Storyboarding.Common" StencilVersion="0.1"/>
+  <Id Name="System.Storyboarding.Common.TextInput" Revision="1" Stencil="System.Storyboarding.Common" StencilVersion="0.1"/>
 </Control>
 </file>
 
 <file path=customXml/item11.xml><?xml version="1.0" encoding="utf-8"?>
 <Control xmlns="http://schemas.microsoft.com/VisualStudio/2011/storyboarding/control">
-  <Id Name="System.Storyboarding.Common.Button" Revision="1" Stencil="System.Storyboarding.Common" StencilVersion="0.1"/>
+  <Id Name="System.Storyboarding.Common.Text" Revision="1" Stencil="System.Storyboarding.Common" StencilVersion="0.1"/>
 </Control>
 </file>
 
 <file path=customXml/item12.xml><?xml version="1.0" encoding="utf-8"?>
 <Control xmlns="http://schemas.microsoft.com/VisualStudio/2011/storyboarding/control">
-  <Id Name="System.Storyboarding.Common.Text" Revision="1" Stencil="System.Storyboarding.Common" StencilVersion="0.1"/>
+  <Id Name="System.Storyboarding.Common.SearchBox" Revision="1" Stencil="System.Storyboarding.Common" StencilVersion="0.1"/>
 </Control>
 </file>
 
 <file path=customXml/item13.xml><?xml version="1.0" encoding="utf-8"?>
 <Control xmlns="http://schemas.microsoft.com/VisualStudio/2011/storyboarding/control">
-  <Id Name="System.Storyboarding.Common.Text" Revision="1" Stencil="System.Storyboarding.Common" StencilVersion="0.1"/>
+  <Id Name="System.Storyboarding.Common.TextInput" Revision="1" Stencil="System.Storyboarding.Common" StencilVersion="0.1"/>
 </Control>
 </file>
 
 <file path=customXml/item14.xml><?xml version="1.0" encoding="utf-8"?>
 <Control xmlns="http://schemas.microsoft.com/VisualStudio/2011/storyboarding/control">
-  <Id Name="System.Storyboarding.Common.Text" Revision="1" Stencil="System.Storyboarding.Common" StencilVersion="0.1"/>
+  <Id Name="System.Storyboarding.Common.Button" Revision="1" Stencil="System.Storyboarding.Common" StencilVersion="0.1"/>
 </Control>
 </file>
 
 <file path=customXml/item15.xml><?xml version="1.0" encoding="utf-8"?>
 <Control xmlns="http://schemas.microsoft.com/VisualStudio/2011/storyboarding/control">
-  <Id Name="System.Storyboarding.Common.TextInput" Revision="1" Stencil="System.Storyboarding.Common" StencilVersion="0.1"/>
+  <Id Name="System.Storyboarding.Common.LinkBar" Revision="1" Stencil="System.Storyboarding.Common" StencilVersion="0.1"/>
 </Control>
 </file>
 
@@ -9619,19 +12754,19 @@
 
 <file path=customXml/item17.xml><?xml version="1.0" encoding="utf-8"?>
 <Control xmlns="http://schemas.microsoft.com/VisualStudio/2011/storyboarding/control">
-  <Id Name="System.Storyboarding.Common.Text" Revision="1" Stencil="System.Storyboarding.Common" StencilVersion="0.1"/>
+  <Id Name="System.Storyboarding.Common.TextInput" Revision="1" Stencil="System.Storyboarding.Common" StencilVersion="0.1"/>
 </Control>
 </file>
 
 <file path=customXml/item18.xml><?xml version="1.0" encoding="utf-8"?>
 <Control xmlns="http://schemas.microsoft.com/VisualStudio/2011/storyboarding/control">
-  <Id Name="System.Storyboarding.Common.Text" Revision="1" Stencil="System.Storyboarding.Common" StencilVersion="0.1"/>
+  <Id Name="System.Storyboarding.Common.LinkBar" Revision="1" Stencil="System.Storyboarding.Common" StencilVersion="0.1"/>
 </Control>
 </file>
 
 <file path=customXml/item19.xml><?xml version="1.0" encoding="utf-8"?>
 <Control xmlns="http://schemas.microsoft.com/VisualStudio/2011/storyboarding/control">
-  <Id Name="System.Storyboarding.Common.TextInput" Revision="1" Stencil="System.Storyboarding.Common" StencilVersion="0.1"/>
+  <Id Name="System.Storyboarding.Common.Text" Revision="1" Stencil="System.Storyboarding.Common" StencilVersion="0.1"/>
 </Control>
 </file>
 
@@ -9643,7 +12778,7 @@
 
 <file path=customXml/item20.xml><?xml version="1.0" encoding="utf-8"?>
 <Control xmlns="http://schemas.microsoft.com/VisualStudio/2011/storyboarding/control">
-  <Id Name="System.Storyboarding.Common.TextInput" Revision="1" Stencil="System.Storyboarding.Common" StencilVersion="0.1"/>
+  <Id Name="System.Storyboarding.Common.Text" Revision="1" Stencil="System.Storyboarding.Common" StencilVersion="0.1"/>
 </Control>
 </file>
 
@@ -9667,25 +12802,25 @@
 
 <file path=customXml/item24.xml><?xml version="1.0" encoding="utf-8"?>
 <Control xmlns="http://schemas.microsoft.com/VisualStudio/2011/storyboarding/control">
-  <Id Name="System.Storyboarding.Common.TextInput" Revision="1" Stencil="System.Storyboarding.Common" StencilVersion="0.1"/>
+  <Id Name="System.Storyboarding.Common.Text" Revision="1" Stencil="System.Storyboarding.Common" StencilVersion="0.1"/>
 </Control>
 </file>
 
 <file path=customXml/item3.xml><?xml version="1.0" encoding="utf-8"?>
 <Control xmlns="http://schemas.microsoft.com/VisualStudio/2011/storyboarding/control">
-  <Id Name="System.Storyboarding.Common.TextInput" Revision="1" Stencil="System.Storyboarding.Common" StencilVersion="0.1"/>
+  <Id Name="System.Storyboarding.Common.Text" Revision="1" Stencil="System.Storyboarding.Common" StencilVersion="0.1"/>
 </Control>
 </file>
 
 <file path=customXml/item4.xml><?xml version="1.0" encoding="utf-8"?>
 <Control xmlns="http://schemas.microsoft.com/VisualStudio/2011/storyboarding/control">
-  <Id Name="System.Storyboarding.Common.Button" Revision="1" Stencil="System.Storyboarding.Common" StencilVersion="0.1"/>
+  <Id Name="System.Storyboarding.Common.TextInput" Revision="1" Stencil="System.Storyboarding.Common" StencilVersion="0.1"/>
 </Control>
 </file>
 
 <file path=customXml/item5.xml><?xml version="1.0" encoding="utf-8"?>
 <Control xmlns="http://schemas.microsoft.com/VisualStudio/2011/storyboarding/control">
-  <Id Name="System.Storyboarding.Common.TextArea" Revision="1" Stencil="System.Storyboarding.Common" StencilVersion="0.1"/>
+  <Id Name="System.Storyboarding.Common.Text" Revision="1" Stencil="System.Storyboarding.Common" StencilVersion="0.1"/>
 </Control>
 </file>
 
@@ -9697,24 +12832,24 @@
 
 <file path=customXml/item7.xml><?xml version="1.0" encoding="utf-8"?>
 <Control xmlns="http://schemas.microsoft.com/VisualStudio/2011/storyboarding/control">
-  <Id Name="System.Storyboarding.Common.Text" Revision="1" Stencil="System.Storyboarding.Common" StencilVersion="0.1"/>
+  <Id Name="System.Storyboarding.Common.Button" Revision="1" Stencil="System.Storyboarding.Common" StencilVersion="0.1"/>
 </Control>
 </file>
 
 <file path=customXml/item8.xml><?xml version="1.0" encoding="utf-8"?>
 <Control xmlns="http://schemas.microsoft.com/VisualStudio/2011/storyboarding/control">
-  <Id Name="System.Storyboarding.Common.LinkBar" Revision="1" Stencil="System.Storyboarding.Common" StencilVersion="0.1"/>
+  <Id Name="System.Storyboarding.Common.TextInput" Revision="1" Stencil="System.Storyboarding.Common" StencilVersion="0.1"/>
 </Control>
 </file>
 
 <file path=customXml/item9.xml><?xml version="1.0" encoding="utf-8"?>
 <Control xmlns="http://schemas.microsoft.com/VisualStudio/2011/storyboarding/control">
-  <Id Name="System.Storyboarding.Common.LinkBar" Revision="1" Stencil="System.Storyboarding.Common" StencilVersion="0.1"/>
+  <Id Name="System.Storyboarding.Common.TextArea" Revision="1" Stencil="System.Storyboarding.Common" StencilVersion="0.1"/>
 </Control>
 </file>
 
 <file path=customXml/itemProps1.xml><?xml version="1.0" encoding="utf-8"?>
-<ds:datastoreItem xmlns:ds="http://schemas.openxmlformats.org/officeDocument/2006/customXml" ds:itemID="{12D9AF48-82CD-47F1-A6CB-A1C7D1DB953E}">
+<ds:datastoreItem xmlns:ds="http://schemas.openxmlformats.org/officeDocument/2006/customXml" ds:itemID="{3D416735-A331-4A39-8B93-5CFA36CF113F}">
   <ds:schemaRefs>
     <ds:schemaRef ds:uri="http://schemas.microsoft.com/VisualStudio/2011/storyboarding/control"/>
   </ds:schemaRefs>
@@ -9722,6 +12857,22 @@
 </file>
 
 <file path=customXml/itemProps10.xml><?xml version="1.0" encoding="utf-8"?>
+<ds:datastoreItem xmlns:ds="http://schemas.openxmlformats.org/officeDocument/2006/customXml" ds:itemID="{676A71AD-4E43-4694-8A38-6A1F624C70D8}">
+  <ds:schemaRefs>
+    <ds:schemaRef ds:uri="http://schemas.microsoft.com/VisualStudio/2011/storyboarding/control"/>
+  </ds:schemaRefs>
+</ds:datastoreItem>
+</file>
+
+<file path=customXml/itemProps11.xml><?xml version="1.0" encoding="utf-8"?>
+<ds:datastoreItem xmlns:ds="http://schemas.openxmlformats.org/officeDocument/2006/customXml" ds:itemID="{BB9B053E-8E48-48B7-9DD0-F2A88D74E95A}">
+  <ds:schemaRefs>
+    <ds:schemaRef ds:uri="http://schemas.microsoft.com/VisualStudio/2011/storyboarding/control"/>
+  </ds:schemaRefs>
+</ds:datastoreItem>
+</file>
+
+<file path=customXml/itemProps12.xml><?xml version="1.0" encoding="utf-8"?>
 <ds:datastoreItem xmlns:ds="http://schemas.openxmlformats.org/officeDocument/2006/customXml" ds:itemID="{4D8040F3-0671-4B6A-8493-946BD5AF79B2}">
   <ds:schemaRefs>
     <ds:schemaRef ds:uri="http://schemas.microsoft.com/VisualStudio/2011/storyboarding/control"/>
@@ -9729,24 +12880,8 @@
 </ds:datastoreItem>
 </file>
 
-<file path=customXml/itemProps11.xml><?xml version="1.0" encoding="utf-8"?>
-<ds:datastoreItem xmlns:ds="http://schemas.openxmlformats.org/officeDocument/2006/customXml" ds:itemID="{8757CE35-24D5-4D99-B219-5734A4465033}">
-  <ds:schemaRefs>
-    <ds:schemaRef ds:uri="http://schemas.microsoft.com/VisualStudio/2011/storyboarding/control"/>
-  </ds:schemaRefs>
-</ds:datastoreItem>
-</file>
-
-<file path=customXml/itemProps12.xml><?xml version="1.0" encoding="utf-8"?>
-<ds:datastoreItem xmlns:ds="http://schemas.openxmlformats.org/officeDocument/2006/customXml" ds:itemID="{5BE443ED-976E-49E8-98E7-DE3853744912}">
-  <ds:schemaRefs>
-    <ds:schemaRef ds:uri="http://schemas.microsoft.com/VisualStudio/2011/storyboarding/control"/>
-  </ds:schemaRefs>
-</ds:datastoreItem>
-</file>
-
 <file path=customXml/itemProps13.xml><?xml version="1.0" encoding="utf-8"?>
-<ds:datastoreItem xmlns:ds="http://schemas.openxmlformats.org/officeDocument/2006/customXml" ds:itemID="{BB97EA56-F5D5-43F5-9D52-1554BC505F8B}">
+<ds:datastoreItem xmlns:ds="http://schemas.openxmlformats.org/officeDocument/2006/customXml" ds:itemID="{AD61F7DB-0E6E-4C5C-A391-36C8D828819C}">
   <ds:schemaRefs>
     <ds:schemaRef ds:uri="http://schemas.microsoft.com/VisualStudio/2011/storyboarding/control"/>
   </ds:schemaRefs>
@@ -9754,6 +12889,22 @@
 </file>
 
 <file path=customXml/itemProps14.xml><?xml version="1.0" encoding="utf-8"?>
+<ds:datastoreItem xmlns:ds="http://schemas.openxmlformats.org/officeDocument/2006/customXml" ds:itemID="{AC3274E3-1144-4F3A-AC70-B4F2B3B2D90C}">
+  <ds:schemaRefs>
+    <ds:schemaRef ds:uri="http://schemas.microsoft.com/VisualStudio/2011/storyboarding/control"/>
+  </ds:schemaRefs>
+</ds:datastoreItem>
+</file>
+
+<file path=customXml/itemProps15.xml><?xml version="1.0" encoding="utf-8"?>
+<ds:datastoreItem xmlns:ds="http://schemas.openxmlformats.org/officeDocument/2006/customXml" ds:itemID="{69A6AC6D-F9CA-4A10-AF32-21E7F5D666D8}">
+  <ds:schemaRefs>
+    <ds:schemaRef ds:uri="http://schemas.microsoft.com/VisualStudio/2011/storyboarding/control"/>
+  </ds:schemaRefs>
+</ds:datastoreItem>
+</file>
+
+<file path=customXml/itemProps16.xml><?xml version="1.0" encoding="utf-8"?>
 <ds:datastoreItem xmlns:ds="http://schemas.openxmlformats.org/officeDocument/2006/customXml" ds:itemID="{9039F99C-EAAE-4750-9432-67A7CEF1E39C}">
   <ds:schemaRefs>
     <ds:schemaRef ds:uri="http://schemas.microsoft.com/VisualStudio/2011/storyboarding/control"/>
@@ -9761,24 +12912,8 @@
 </ds:datastoreItem>
 </file>
 
-<file path=customXml/itemProps15.xml><?xml version="1.0" encoding="utf-8"?>
-<ds:datastoreItem xmlns:ds="http://schemas.openxmlformats.org/officeDocument/2006/customXml" ds:itemID="{676A71AD-4E43-4694-8A38-6A1F624C70D8}">
-  <ds:schemaRefs>
-    <ds:schemaRef ds:uri="http://schemas.microsoft.com/VisualStudio/2011/storyboarding/control"/>
-  </ds:schemaRefs>
-</ds:datastoreItem>
-</file>
-
-<file path=customXml/itemProps16.xml><?xml version="1.0" encoding="utf-8"?>
-<ds:datastoreItem xmlns:ds="http://schemas.openxmlformats.org/officeDocument/2006/customXml" ds:itemID="{008EF695-E4A6-4ED4-9CE2-93BC64D6CD1E}">
-  <ds:schemaRefs>
-    <ds:schemaRef ds:uri="http://schemas.microsoft.com/VisualStudio/2011/storyboarding/control"/>
-  </ds:schemaRefs>
-</ds:datastoreItem>
-</file>
-
 <file path=customXml/itemProps17.xml><?xml version="1.0" encoding="utf-8"?>
-<ds:datastoreItem xmlns:ds="http://schemas.openxmlformats.org/officeDocument/2006/customXml" ds:itemID="{3D416735-A331-4A39-8B93-5CFA36CF113F}">
+<ds:datastoreItem xmlns:ds="http://schemas.openxmlformats.org/officeDocument/2006/customXml" ds:itemID="{B07216BB-7630-486B-A2DF-E3DF3D2597B6}">
   <ds:schemaRefs>
     <ds:schemaRef ds:uri="http://schemas.microsoft.com/VisualStudio/2011/storyboarding/control"/>
   </ds:schemaRefs>
@@ -9786,7 +12921,7 @@
 </file>
 
 <file path=customXml/itemProps18.xml><?xml version="1.0" encoding="utf-8"?>
-<ds:datastoreItem xmlns:ds="http://schemas.openxmlformats.org/officeDocument/2006/customXml" ds:itemID="{31853C47-37E6-4F6D-9154-25CE39D8F882}">
+<ds:datastoreItem xmlns:ds="http://schemas.openxmlformats.org/officeDocument/2006/customXml" ds:itemID="{44A9F24B-3BB4-4FF4-85EF-9AA77417EFA4}">
   <ds:schemaRefs>
     <ds:schemaRef ds:uri="http://schemas.microsoft.com/VisualStudio/2011/storyboarding/control"/>
   </ds:schemaRefs>
@@ -9794,7 +12929,7 @@
 </file>
 
 <file path=customXml/itemProps19.xml><?xml version="1.0" encoding="utf-8"?>
-<ds:datastoreItem xmlns:ds="http://schemas.openxmlformats.org/officeDocument/2006/customXml" ds:itemID="{AD61F7DB-0E6E-4C5C-A391-36C8D828819C}">
+<ds:datastoreItem xmlns:ds="http://schemas.openxmlformats.org/officeDocument/2006/customXml" ds:itemID="{BB97EA56-F5D5-43F5-9D52-1554BC505F8B}">
   <ds:schemaRefs>
     <ds:schemaRef ds:uri="http://schemas.microsoft.com/VisualStudio/2011/storyboarding/control"/>
   </ds:schemaRefs>
@@ -9810,6 +12945,54 @@
 </file>
 
 <file path=customXml/itemProps20.xml><?xml version="1.0" encoding="utf-8"?>
+<ds:datastoreItem xmlns:ds="http://schemas.openxmlformats.org/officeDocument/2006/customXml" ds:itemID="{31853C47-37E6-4F6D-9154-25CE39D8F882}">
+  <ds:schemaRefs>
+    <ds:schemaRef ds:uri="http://schemas.microsoft.com/VisualStudio/2011/storyboarding/control"/>
+  </ds:schemaRefs>
+</ds:datastoreItem>
+</file>
+
+<file path=customXml/itemProps21.xml><?xml version="1.0" encoding="utf-8"?>
+<ds:datastoreItem xmlns:ds="http://schemas.openxmlformats.org/officeDocument/2006/customXml" ds:itemID="{052BFB0D-384E-442F-93DA-B648FE55990C}">
+  <ds:schemaRefs>
+    <ds:schemaRef ds:uri="http://schemas.microsoft.com/VisualStudio/2011/storyboarding/control"/>
+  </ds:schemaRefs>
+</ds:datastoreItem>
+</file>
+
+<file path=customXml/itemProps22.xml><?xml version="1.0" encoding="utf-8"?>
+<ds:datastoreItem xmlns:ds="http://schemas.openxmlformats.org/officeDocument/2006/customXml" ds:itemID="{FA75A633-D317-4887-B951-B95338B42721}">
+  <ds:schemaRefs>
+    <ds:schemaRef ds:uri="http://schemas.microsoft.com/VisualStudio/2011/storyboarding/control"/>
+  </ds:schemaRefs>
+</ds:datastoreItem>
+</file>
+
+<file path=customXml/itemProps23.xml><?xml version="1.0" encoding="utf-8"?>
+<ds:datastoreItem xmlns:ds="http://schemas.openxmlformats.org/officeDocument/2006/customXml" ds:itemID="{5B7F97D6-013A-4234-848D-55A1FA7AF29A}">
+  <ds:schemaRefs>
+    <ds:schemaRef ds:uri="http://schemas.microsoft.com/VisualStudio/2011/storyboarding/control"/>
+  </ds:schemaRefs>
+</ds:datastoreItem>
+</file>
+
+<file path=customXml/itemProps24.xml><?xml version="1.0" encoding="utf-8"?>
+<ds:datastoreItem xmlns:ds="http://schemas.openxmlformats.org/officeDocument/2006/customXml" ds:itemID="{5BE443ED-976E-49E8-98E7-DE3853744912}">
+  <ds:schemaRefs>
+    <ds:schemaRef ds:uri="http://schemas.microsoft.com/VisualStudio/2011/storyboarding/control"/>
+  </ds:schemaRefs>
+</ds:datastoreItem>
+</file>
+
+<file path=customXml/itemProps3.xml><?xml version="1.0" encoding="utf-8"?>
+<ds:datastoreItem xmlns:ds="http://schemas.openxmlformats.org/officeDocument/2006/customXml" ds:itemID="{008EF695-E4A6-4ED4-9CE2-93BC64D6CD1E}">
+  <ds:schemaRefs>
+    <ds:schemaRef ds:uri="http://schemas.microsoft.com/VisualStudio/2011/storyboarding/control"/>
+  </ds:schemaRefs>
+</ds:datastoreItem>
+</file>
+
+<file path=customXml/itemProps4.xml><?xml version="1.0" encoding="utf-8"?>
 <ds:datastoreItem xmlns:ds="http://schemas.openxmlformats.org/officeDocument/2006/customXml" ds:itemID="{92BCE42D-C34C-47BA-9A0C-D7E25AACC2D8}">
   <ds:schemaRefs>
     <ds:schemaRef ds:uri="http://schemas.microsoft.com/VisualStudio/2011/storyboarding/control"/>
@@ -9817,56 +13000,8 @@
 </ds:datastoreItem>
 </file>
 
-<file path=customXml/itemProps21.xml><?xml version="1.0" encoding="utf-8"?>
-<ds:datastoreItem xmlns:ds="http://schemas.openxmlformats.org/officeDocument/2006/customXml" ds:itemID="{FA75A633-D317-4887-B951-B95338B42721}">
-  <ds:schemaRefs>
-    <ds:schemaRef ds:uri="http://schemas.microsoft.com/VisualStudio/2011/storyboarding/control"/>
-  </ds:schemaRefs>
-</ds:datastoreItem>
-</file>
-
-<file path=customXml/itemProps22.xml><?xml version="1.0" encoding="utf-8"?>
-<ds:datastoreItem xmlns:ds="http://schemas.openxmlformats.org/officeDocument/2006/customXml" ds:itemID="{B07216BB-7630-486B-A2DF-E3DF3D2597B6}">
-  <ds:schemaRefs>
-    <ds:schemaRef ds:uri="http://schemas.microsoft.com/VisualStudio/2011/storyboarding/control"/>
-  </ds:schemaRefs>
-</ds:datastoreItem>
-</file>
-
-<file path=customXml/itemProps23.xml><?xml version="1.0" encoding="utf-8"?>
-<ds:datastoreItem xmlns:ds="http://schemas.openxmlformats.org/officeDocument/2006/customXml" ds:itemID="{BB9B053E-8E48-48B7-9DD0-F2A88D74E95A}">
-  <ds:schemaRefs>
-    <ds:schemaRef ds:uri="http://schemas.microsoft.com/VisualStudio/2011/storyboarding/control"/>
-  </ds:schemaRefs>
-</ds:datastoreItem>
-</file>
-
-<file path=customXml/itemProps24.xml><?xml version="1.0" encoding="utf-8"?>
-<ds:datastoreItem xmlns:ds="http://schemas.openxmlformats.org/officeDocument/2006/customXml" ds:itemID="{36BE8D12-7289-46BB-BC8F-253A97133251}">
-  <ds:schemaRefs>
-    <ds:schemaRef ds:uri="http://schemas.microsoft.com/VisualStudio/2011/storyboarding/control"/>
-  </ds:schemaRefs>
-</ds:datastoreItem>
-</file>
-
-<file path=customXml/itemProps3.xml><?xml version="1.0" encoding="utf-8"?>
-<ds:datastoreItem xmlns:ds="http://schemas.openxmlformats.org/officeDocument/2006/customXml" ds:itemID="{052BFB0D-384E-442F-93DA-B648FE55990C}">
-  <ds:schemaRefs>
-    <ds:schemaRef ds:uri="http://schemas.microsoft.com/VisualStudio/2011/storyboarding/control"/>
-  </ds:schemaRefs>
-</ds:datastoreItem>
-</file>
-
-<file path=customXml/itemProps4.xml><?xml version="1.0" encoding="utf-8"?>
-<ds:datastoreItem xmlns:ds="http://schemas.openxmlformats.org/officeDocument/2006/customXml" ds:itemID="{AC3274E3-1144-4F3A-AC70-B4F2B3B2D90C}">
-  <ds:schemaRefs>
-    <ds:schemaRef ds:uri="http://schemas.microsoft.com/VisualStudio/2011/storyboarding/control"/>
-  </ds:schemaRefs>
-</ds:datastoreItem>
-</file>
-
 <file path=customXml/itemProps5.xml><?xml version="1.0" encoding="utf-8"?>
-<ds:datastoreItem xmlns:ds="http://schemas.openxmlformats.org/officeDocument/2006/customXml" ds:itemID="{1061A0F8-DD7D-471E-95A1-DF2090057134}">
+<ds:datastoreItem xmlns:ds="http://schemas.openxmlformats.org/officeDocument/2006/customXml" ds:itemID="{12D9AF48-82CD-47F1-A6CB-A1C7D1DB953E}">
   <ds:schemaRefs>
     <ds:schemaRef ds:uri="http://schemas.microsoft.com/VisualStudio/2011/storyboarding/control"/>
   </ds:schemaRefs>
@@ -9882,7 +13017,7 @@
 </file>
 
 <file path=customXml/itemProps7.xml><?xml version="1.0" encoding="utf-8"?>
-<ds:datastoreItem xmlns:ds="http://schemas.openxmlformats.org/officeDocument/2006/customXml" ds:itemID="{5B7F97D6-013A-4234-848D-55A1FA7AF29A}">
+<ds:datastoreItem xmlns:ds="http://schemas.openxmlformats.org/officeDocument/2006/customXml" ds:itemID="{8757CE35-24D5-4D99-B219-5734A4465033}">
   <ds:schemaRefs>
     <ds:schemaRef ds:uri="http://schemas.microsoft.com/VisualStudio/2011/storyboarding/control"/>
   </ds:schemaRefs>
@@ -9890,7 +13025,7 @@
 </file>
 
 <file path=customXml/itemProps8.xml><?xml version="1.0" encoding="utf-8"?>
-<ds:datastoreItem xmlns:ds="http://schemas.openxmlformats.org/officeDocument/2006/customXml" ds:itemID="{44A9F24B-3BB4-4FF4-85EF-9AA77417EFA4}">
+<ds:datastoreItem xmlns:ds="http://schemas.openxmlformats.org/officeDocument/2006/customXml" ds:itemID="{36BE8D12-7289-46BB-BC8F-253A97133251}">
   <ds:schemaRefs>
     <ds:schemaRef ds:uri="http://schemas.microsoft.com/VisualStudio/2011/storyboarding/control"/>
   </ds:schemaRefs>
@@ -9898,7 +13033,7 @@
 </file>
 
 <file path=customXml/itemProps9.xml><?xml version="1.0" encoding="utf-8"?>
-<ds:datastoreItem xmlns:ds="http://schemas.openxmlformats.org/officeDocument/2006/customXml" ds:itemID="{69A6AC6D-F9CA-4A10-AF32-21E7F5D666D8}">
+<ds:datastoreItem xmlns:ds="http://schemas.openxmlformats.org/officeDocument/2006/customXml" ds:itemID="{1061A0F8-DD7D-471E-95A1-DF2090057134}">
   <ds:schemaRefs>
     <ds:schemaRef ds:uri="http://schemas.microsoft.com/VisualStudio/2011/storyboarding/control"/>
   </ds:schemaRefs>
